--- a/zs_sim_robot/meeting_0907/meeting_0907.pptx
+++ b/zs_sim_robot/meeting_0907/meeting_0907.pptx
@@ -5,15 +5,21 @@
     <p:sldMasterId id="2147483648" r:id="rId1"/>
   </p:sldMasterIdLst>
   <p:notesMasterIdLst>
-    <p:notesMasterId r:id="rId8"/>
+    <p:notesMasterId r:id="rId14"/>
   </p:notesMasterIdLst>
   <p:sldIdLst>
     <p:sldId id="256" r:id="rId2"/>
     <p:sldId id="335" r:id="rId3"/>
-    <p:sldId id="331" r:id="rId4"/>
-    <p:sldId id="338" r:id="rId5"/>
-    <p:sldId id="334" r:id="rId6"/>
-    <p:sldId id="308" r:id="rId7"/>
+    <p:sldId id="336" r:id="rId4"/>
+    <p:sldId id="344" r:id="rId5"/>
+    <p:sldId id="345" r:id="rId6"/>
+    <p:sldId id="346" r:id="rId7"/>
+    <p:sldId id="347" r:id="rId8"/>
+    <p:sldId id="348" r:id="rId9"/>
+    <p:sldId id="331" r:id="rId10"/>
+    <p:sldId id="338" r:id="rId11"/>
+    <p:sldId id="334" r:id="rId12"/>
+    <p:sldId id="308" r:id="rId13"/>
   </p:sldIdLst>
   <p:sldSz cx="12192000" cy="6858000"/>
   <p:notesSz cx="7772400" cy="10058400"/>
@@ -202,7 +208,7 @@
           <a:p>
             <a:fld id="{3CA5CF10-F56D-104B-8C7C-E6A4386A1B25}" type="datetimeFigureOut">
               <a:rPr lang="en-US" smtClean="0"/>
-              <a:t>8/28/20</a:t>
+              <a:t>8/29/20</a:t>
             </a:fld>
             <a:endParaRPr lang="en-US"/>
           </a:p>
@@ -553,6 +559,90 @@
 </p:notes>
 </file>
 
+<file path=ppt/notesSlides/notesSlide10.xml><?xml version="1.0" encoding="utf-8"?>
+<p:notes xmlns:a="http://schemas.openxmlformats.org/drawingml/2006/main" xmlns:r="http://schemas.openxmlformats.org/officeDocument/2006/relationships" xmlns:p="http://schemas.openxmlformats.org/presentationml/2006/main">
+  <p:cSld>
+    <p:spTree>
+      <p:nvGrpSpPr>
+        <p:cNvPr id="1" name=""/>
+        <p:cNvGrpSpPr/>
+        <p:nvPr/>
+      </p:nvGrpSpPr>
+      <p:grpSpPr>
+        <a:xfrm>
+          <a:off x="0" y="0"/>
+          <a:ext cx="0" cy="0"/>
+          <a:chOff x="0" y="0"/>
+          <a:chExt cx="0" cy="0"/>
+        </a:xfrm>
+      </p:grpSpPr>
+      <p:sp>
+        <p:nvSpPr>
+          <p:cNvPr id="2" name="Slide Image Placeholder 1"/>
+          <p:cNvSpPr>
+            <a:spLocks noGrp="1" noRot="1" noChangeAspect="1"/>
+          </p:cNvSpPr>
+          <p:nvPr>
+            <p:ph type="sldImg"/>
+          </p:nvPr>
+        </p:nvSpPr>
+        <p:spPr/>
+      </p:sp>
+      <p:sp>
+        <p:nvSpPr>
+          <p:cNvPr id="3" name="Notes Placeholder 2"/>
+          <p:cNvSpPr>
+            <a:spLocks noGrp="1"/>
+          </p:cNvSpPr>
+          <p:nvPr>
+            <p:ph type="body" idx="1"/>
+          </p:nvPr>
+        </p:nvSpPr>
+        <p:spPr/>
+        <p:txBody>
+          <a:bodyPr/>
+          <a:lstStyle/>
+          <a:p>
+            <a:endParaRPr lang="en-US" dirty="0"/>
+          </a:p>
+        </p:txBody>
+      </p:sp>
+      <p:sp>
+        <p:nvSpPr>
+          <p:cNvPr id="4" name="Slide Number Placeholder 3"/>
+          <p:cNvSpPr>
+            <a:spLocks noGrp="1"/>
+          </p:cNvSpPr>
+          <p:nvPr>
+            <p:ph type="sldNum" sz="quarter" idx="5"/>
+          </p:nvPr>
+        </p:nvSpPr>
+        <p:spPr/>
+        <p:txBody>
+          <a:bodyPr/>
+          <a:lstStyle/>
+          <a:p>
+            <a:fld id="{F2BBDEDD-F9BD-5E42-9F44-6BD8679DBB25}" type="slidenum">
+              <a:rPr lang="en-US" smtClean="0"/>
+              <a:t>12</a:t>
+            </a:fld>
+            <a:endParaRPr lang="en-US"/>
+          </a:p>
+        </p:txBody>
+      </p:sp>
+    </p:spTree>
+    <p:extLst>
+      <p:ext uri="{BB962C8B-B14F-4D97-AF65-F5344CB8AC3E}">
+        <p14:creationId xmlns:p14="http://schemas.microsoft.com/office/powerpoint/2010/main" val="2982779309"/>
+      </p:ext>
+    </p:extLst>
+  </p:cSld>
+  <p:clrMapOvr>
+    <a:masterClrMapping/>
+  </p:clrMapOvr>
+</p:notes>
+</file>
+
 <file path=ppt/notesSlides/notesSlide2.xml><?xml version="1.0" encoding="utf-8"?>
 <p:notes xmlns:a="http://schemas.openxmlformats.org/drawingml/2006/main" xmlns:r="http://schemas.openxmlformats.org/officeDocument/2006/relationships" xmlns:p="http://schemas.openxmlformats.org/presentationml/2006/main">
   <p:cSld>
@@ -618,7 +708,7 @@
           <a:p>
             <a:fld id="{F2BBDEDD-F9BD-5E42-9F44-6BD8679DBB25}" type="slidenum">
               <a:rPr lang="en-US" smtClean="0"/>
-              <a:t>4</a:t>
+              <a:t>3</a:t>
             </a:fld>
             <a:endParaRPr lang="en-US"/>
           </a:p>
@@ -627,7 +717,7 @@
     </p:spTree>
     <p:extLst>
       <p:ext uri="{BB962C8B-B14F-4D97-AF65-F5344CB8AC3E}">
-        <p14:creationId xmlns:p14="http://schemas.microsoft.com/office/powerpoint/2010/main" val="2598913735"/>
+        <p14:creationId xmlns:p14="http://schemas.microsoft.com/office/powerpoint/2010/main" val="3500771379"/>
       </p:ext>
     </p:extLst>
   </p:cSld>
@@ -702,7 +792,7 @@
           <a:p>
             <a:fld id="{F2BBDEDD-F9BD-5E42-9F44-6BD8679DBB25}" type="slidenum">
               <a:rPr lang="en-US" smtClean="0"/>
-              <a:t>5</a:t>
+              <a:t>4</a:t>
             </a:fld>
             <a:endParaRPr lang="en-US"/>
           </a:p>
@@ -711,7 +801,7 @@
     </p:spTree>
     <p:extLst>
       <p:ext uri="{BB962C8B-B14F-4D97-AF65-F5344CB8AC3E}">
-        <p14:creationId xmlns:p14="http://schemas.microsoft.com/office/powerpoint/2010/main" val="1442847883"/>
+        <p14:creationId xmlns:p14="http://schemas.microsoft.com/office/powerpoint/2010/main" val="831267572"/>
       </p:ext>
     </p:extLst>
   </p:cSld>
@@ -786,6 +876,90 @@
           <a:p>
             <a:fld id="{F2BBDEDD-F9BD-5E42-9F44-6BD8679DBB25}" type="slidenum">
               <a:rPr lang="en-US" smtClean="0"/>
+              <a:t>5</a:t>
+            </a:fld>
+            <a:endParaRPr lang="en-US"/>
+          </a:p>
+        </p:txBody>
+      </p:sp>
+    </p:spTree>
+    <p:extLst>
+      <p:ext uri="{BB962C8B-B14F-4D97-AF65-F5344CB8AC3E}">
+        <p14:creationId xmlns:p14="http://schemas.microsoft.com/office/powerpoint/2010/main" val="769351611"/>
+      </p:ext>
+    </p:extLst>
+  </p:cSld>
+  <p:clrMapOvr>
+    <a:masterClrMapping/>
+  </p:clrMapOvr>
+</p:notes>
+</file>
+
+<file path=ppt/notesSlides/notesSlide5.xml><?xml version="1.0" encoding="utf-8"?>
+<p:notes xmlns:a="http://schemas.openxmlformats.org/drawingml/2006/main" xmlns:r="http://schemas.openxmlformats.org/officeDocument/2006/relationships" xmlns:p="http://schemas.openxmlformats.org/presentationml/2006/main">
+  <p:cSld>
+    <p:spTree>
+      <p:nvGrpSpPr>
+        <p:cNvPr id="1" name=""/>
+        <p:cNvGrpSpPr/>
+        <p:nvPr/>
+      </p:nvGrpSpPr>
+      <p:grpSpPr>
+        <a:xfrm>
+          <a:off x="0" y="0"/>
+          <a:ext cx="0" cy="0"/>
+          <a:chOff x="0" y="0"/>
+          <a:chExt cx="0" cy="0"/>
+        </a:xfrm>
+      </p:grpSpPr>
+      <p:sp>
+        <p:nvSpPr>
+          <p:cNvPr id="2" name="Slide Image Placeholder 1"/>
+          <p:cNvSpPr>
+            <a:spLocks noGrp="1" noRot="1" noChangeAspect="1"/>
+          </p:cNvSpPr>
+          <p:nvPr>
+            <p:ph type="sldImg"/>
+          </p:nvPr>
+        </p:nvSpPr>
+        <p:spPr/>
+      </p:sp>
+      <p:sp>
+        <p:nvSpPr>
+          <p:cNvPr id="3" name="Notes Placeholder 2"/>
+          <p:cNvSpPr>
+            <a:spLocks noGrp="1"/>
+          </p:cNvSpPr>
+          <p:nvPr>
+            <p:ph type="body" idx="1"/>
+          </p:nvPr>
+        </p:nvSpPr>
+        <p:spPr/>
+        <p:txBody>
+          <a:bodyPr/>
+          <a:lstStyle/>
+          <a:p>
+            <a:endParaRPr lang="en-US" dirty="0"/>
+          </a:p>
+        </p:txBody>
+      </p:sp>
+      <p:sp>
+        <p:nvSpPr>
+          <p:cNvPr id="4" name="Slide Number Placeholder 3"/>
+          <p:cNvSpPr>
+            <a:spLocks noGrp="1"/>
+          </p:cNvSpPr>
+          <p:nvPr>
+            <p:ph type="sldNum" sz="quarter" idx="5"/>
+          </p:nvPr>
+        </p:nvSpPr>
+        <p:spPr/>
+        <p:txBody>
+          <a:bodyPr/>
+          <a:lstStyle/>
+          <a:p>
+            <a:fld id="{F2BBDEDD-F9BD-5E42-9F44-6BD8679DBB25}" type="slidenum">
+              <a:rPr lang="en-US" smtClean="0"/>
               <a:t>6</a:t>
             </a:fld>
             <a:endParaRPr lang="en-US"/>
@@ -795,7 +969,343 @@
     </p:spTree>
     <p:extLst>
       <p:ext uri="{BB962C8B-B14F-4D97-AF65-F5344CB8AC3E}">
-        <p14:creationId xmlns:p14="http://schemas.microsoft.com/office/powerpoint/2010/main" val="2982779309"/>
+        <p14:creationId xmlns:p14="http://schemas.microsoft.com/office/powerpoint/2010/main" val="3208766184"/>
+      </p:ext>
+    </p:extLst>
+  </p:cSld>
+  <p:clrMapOvr>
+    <a:masterClrMapping/>
+  </p:clrMapOvr>
+</p:notes>
+</file>
+
+<file path=ppt/notesSlides/notesSlide6.xml><?xml version="1.0" encoding="utf-8"?>
+<p:notes xmlns:a="http://schemas.openxmlformats.org/drawingml/2006/main" xmlns:r="http://schemas.openxmlformats.org/officeDocument/2006/relationships" xmlns:p="http://schemas.openxmlformats.org/presentationml/2006/main">
+  <p:cSld>
+    <p:spTree>
+      <p:nvGrpSpPr>
+        <p:cNvPr id="1" name=""/>
+        <p:cNvGrpSpPr/>
+        <p:nvPr/>
+      </p:nvGrpSpPr>
+      <p:grpSpPr>
+        <a:xfrm>
+          <a:off x="0" y="0"/>
+          <a:ext cx="0" cy="0"/>
+          <a:chOff x="0" y="0"/>
+          <a:chExt cx="0" cy="0"/>
+        </a:xfrm>
+      </p:grpSpPr>
+      <p:sp>
+        <p:nvSpPr>
+          <p:cNvPr id="2" name="Slide Image Placeholder 1"/>
+          <p:cNvSpPr>
+            <a:spLocks noGrp="1" noRot="1" noChangeAspect="1"/>
+          </p:cNvSpPr>
+          <p:nvPr>
+            <p:ph type="sldImg"/>
+          </p:nvPr>
+        </p:nvSpPr>
+        <p:spPr/>
+      </p:sp>
+      <p:sp>
+        <p:nvSpPr>
+          <p:cNvPr id="3" name="Notes Placeholder 2"/>
+          <p:cNvSpPr>
+            <a:spLocks noGrp="1"/>
+          </p:cNvSpPr>
+          <p:nvPr>
+            <p:ph type="body" idx="1"/>
+          </p:nvPr>
+        </p:nvSpPr>
+        <p:spPr/>
+        <p:txBody>
+          <a:bodyPr/>
+          <a:lstStyle/>
+          <a:p>
+            <a:endParaRPr lang="en-US" dirty="0"/>
+          </a:p>
+        </p:txBody>
+      </p:sp>
+      <p:sp>
+        <p:nvSpPr>
+          <p:cNvPr id="4" name="Slide Number Placeholder 3"/>
+          <p:cNvSpPr>
+            <a:spLocks noGrp="1"/>
+          </p:cNvSpPr>
+          <p:nvPr>
+            <p:ph type="sldNum" sz="quarter" idx="5"/>
+          </p:nvPr>
+        </p:nvSpPr>
+        <p:spPr/>
+        <p:txBody>
+          <a:bodyPr/>
+          <a:lstStyle/>
+          <a:p>
+            <a:fld id="{F2BBDEDD-F9BD-5E42-9F44-6BD8679DBB25}" type="slidenum">
+              <a:rPr lang="en-US" smtClean="0"/>
+              <a:t>7</a:t>
+            </a:fld>
+            <a:endParaRPr lang="en-US"/>
+          </a:p>
+        </p:txBody>
+      </p:sp>
+    </p:spTree>
+    <p:extLst>
+      <p:ext uri="{BB962C8B-B14F-4D97-AF65-F5344CB8AC3E}">
+        <p14:creationId xmlns:p14="http://schemas.microsoft.com/office/powerpoint/2010/main" val="3942442924"/>
+      </p:ext>
+    </p:extLst>
+  </p:cSld>
+  <p:clrMapOvr>
+    <a:masterClrMapping/>
+  </p:clrMapOvr>
+</p:notes>
+</file>
+
+<file path=ppt/notesSlides/notesSlide7.xml><?xml version="1.0" encoding="utf-8"?>
+<p:notes xmlns:a="http://schemas.openxmlformats.org/drawingml/2006/main" xmlns:r="http://schemas.openxmlformats.org/officeDocument/2006/relationships" xmlns:p="http://schemas.openxmlformats.org/presentationml/2006/main">
+  <p:cSld>
+    <p:spTree>
+      <p:nvGrpSpPr>
+        <p:cNvPr id="1" name=""/>
+        <p:cNvGrpSpPr/>
+        <p:nvPr/>
+      </p:nvGrpSpPr>
+      <p:grpSpPr>
+        <a:xfrm>
+          <a:off x="0" y="0"/>
+          <a:ext cx="0" cy="0"/>
+          <a:chOff x="0" y="0"/>
+          <a:chExt cx="0" cy="0"/>
+        </a:xfrm>
+      </p:grpSpPr>
+      <p:sp>
+        <p:nvSpPr>
+          <p:cNvPr id="2" name="Slide Image Placeholder 1"/>
+          <p:cNvSpPr>
+            <a:spLocks noGrp="1" noRot="1" noChangeAspect="1"/>
+          </p:cNvSpPr>
+          <p:nvPr>
+            <p:ph type="sldImg"/>
+          </p:nvPr>
+        </p:nvSpPr>
+        <p:spPr/>
+      </p:sp>
+      <p:sp>
+        <p:nvSpPr>
+          <p:cNvPr id="3" name="Notes Placeholder 2"/>
+          <p:cNvSpPr>
+            <a:spLocks noGrp="1"/>
+          </p:cNvSpPr>
+          <p:nvPr>
+            <p:ph type="body" idx="1"/>
+          </p:nvPr>
+        </p:nvSpPr>
+        <p:spPr/>
+        <p:txBody>
+          <a:bodyPr/>
+          <a:lstStyle/>
+          <a:p>
+            <a:endParaRPr lang="en-US" dirty="0"/>
+          </a:p>
+        </p:txBody>
+      </p:sp>
+      <p:sp>
+        <p:nvSpPr>
+          <p:cNvPr id="4" name="Slide Number Placeholder 3"/>
+          <p:cNvSpPr>
+            <a:spLocks noGrp="1"/>
+          </p:cNvSpPr>
+          <p:nvPr>
+            <p:ph type="sldNum" sz="quarter" idx="5"/>
+          </p:nvPr>
+        </p:nvSpPr>
+        <p:spPr/>
+        <p:txBody>
+          <a:bodyPr/>
+          <a:lstStyle/>
+          <a:p>
+            <a:fld id="{F2BBDEDD-F9BD-5E42-9F44-6BD8679DBB25}" type="slidenum">
+              <a:rPr lang="en-US" smtClean="0"/>
+              <a:t>8</a:t>
+            </a:fld>
+            <a:endParaRPr lang="en-US"/>
+          </a:p>
+        </p:txBody>
+      </p:sp>
+    </p:spTree>
+    <p:extLst>
+      <p:ext uri="{BB962C8B-B14F-4D97-AF65-F5344CB8AC3E}">
+        <p14:creationId xmlns:p14="http://schemas.microsoft.com/office/powerpoint/2010/main" val="3394204050"/>
+      </p:ext>
+    </p:extLst>
+  </p:cSld>
+  <p:clrMapOvr>
+    <a:masterClrMapping/>
+  </p:clrMapOvr>
+</p:notes>
+</file>
+
+<file path=ppt/notesSlides/notesSlide8.xml><?xml version="1.0" encoding="utf-8"?>
+<p:notes xmlns:a="http://schemas.openxmlformats.org/drawingml/2006/main" xmlns:r="http://schemas.openxmlformats.org/officeDocument/2006/relationships" xmlns:p="http://schemas.openxmlformats.org/presentationml/2006/main">
+  <p:cSld>
+    <p:spTree>
+      <p:nvGrpSpPr>
+        <p:cNvPr id="1" name=""/>
+        <p:cNvGrpSpPr/>
+        <p:nvPr/>
+      </p:nvGrpSpPr>
+      <p:grpSpPr>
+        <a:xfrm>
+          <a:off x="0" y="0"/>
+          <a:ext cx="0" cy="0"/>
+          <a:chOff x="0" y="0"/>
+          <a:chExt cx="0" cy="0"/>
+        </a:xfrm>
+      </p:grpSpPr>
+      <p:sp>
+        <p:nvSpPr>
+          <p:cNvPr id="2" name="Slide Image Placeholder 1"/>
+          <p:cNvSpPr>
+            <a:spLocks noGrp="1" noRot="1" noChangeAspect="1"/>
+          </p:cNvSpPr>
+          <p:nvPr>
+            <p:ph type="sldImg"/>
+          </p:nvPr>
+        </p:nvSpPr>
+        <p:spPr/>
+      </p:sp>
+      <p:sp>
+        <p:nvSpPr>
+          <p:cNvPr id="3" name="Notes Placeholder 2"/>
+          <p:cNvSpPr>
+            <a:spLocks noGrp="1"/>
+          </p:cNvSpPr>
+          <p:nvPr>
+            <p:ph type="body" idx="1"/>
+          </p:nvPr>
+        </p:nvSpPr>
+        <p:spPr/>
+        <p:txBody>
+          <a:bodyPr/>
+          <a:lstStyle/>
+          <a:p>
+            <a:endParaRPr lang="en-US" dirty="0"/>
+          </a:p>
+        </p:txBody>
+      </p:sp>
+      <p:sp>
+        <p:nvSpPr>
+          <p:cNvPr id="4" name="Slide Number Placeholder 3"/>
+          <p:cNvSpPr>
+            <a:spLocks noGrp="1"/>
+          </p:cNvSpPr>
+          <p:nvPr>
+            <p:ph type="sldNum" sz="quarter" idx="5"/>
+          </p:nvPr>
+        </p:nvSpPr>
+        <p:spPr/>
+        <p:txBody>
+          <a:bodyPr/>
+          <a:lstStyle/>
+          <a:p>
+            <a:fld id="{F2BBDEDD-F9BD-5E42-9F44-6BD8679DBB25}" type="slidenum">
+              <a:rPr lang="en-US" smtClean="0"/>
+              <a:t>10</a:t>
+            </a:fld>
+            <a:endParaRPr lang="en-US"/>
+          </a:p>
+        </p:txBody>
+      </p:sp>
+    </p:spTree>
+    <p:extLst>
+      <p:ext uri="{BB962C8B-B14F-4D97-AF65-F5344CB8AC3E}">
+        <p14:creationId xmlns:p14="http://schemas.microsoft.com/office/powerpoint/2010/main" val="2598913735"/>
+      </p:ext>
+    </p:extLst>
+  </p:cSld>
+  <p:clrMapOvr>
+    <a:masterClrMapping/>
+  </p:clrMapOvr>
+</p:notes>
+</file>
+
+<file path=ppt/notesSlides/notesSlide9.xml><?xml version="1.0" encoding="utf-8"?>
+<p:notes xmlns:a="http://schemas.openxmlformats.org/drawingml/2006/main" xmlns:r="http://schemas.openxmlformats.org/officeDocument/2006/relationships" xmlns:p="http://schemas.openxmlformats.org/presentationml/2006/main">
+  <p:cSld>
+    <p:spTree>
+      <p:nvGrpSpPr>
+        <p:cNvPr id="1" name=""/>
+        <p:cNvGrpSpPr/>
+        <p:nvPr/>
+      </p:nvGrpSpPr>
+      <p:grpSpPr>
+        <a:xfrm>
+          <a:off x="0" y="0"/>
+          <a:ext cx="0" cy="0"/>
+          <a:chOff x="0" y="0"/>
+          <a:chExt cx="0" cy="0"/>
+        </a:xfrm>
+      </p:grpSpPr>
+      <p:sp>
+        <p:nvSpPr>
+          <p:cNvPr id="2" name="Slide Image Placeholder 1"/>
+          <p:cNvSpPr>
+            <a:spLocks noGrp="1" noRot="1" noChangeAspect="1"/>
+          </p:cNvSpPr>
+          <p:nvPr>
+            <p:ph type="sldImg"/>
+          </p:nvPr>
+        </p:nvSpPr>
+        <p:spPr/>
+      </p:sp>
+      <p:sp>
+        <p:nvSpPr>
+          <p:cNvPr id="3" name="Notes Placeholder 2"/>
+          <p:cNvSpPr>
+            <a:spLocks noGrp="1"/>
+          </p:cNvSpPr>
+          <p:nvPr>
+            <p:ph type="body" idx="1"/>
+          </p:nvPr>
+        </p:nvSpPr>
+        <p:spPr/>
+        <p:txBody>
+          <a:bodyPr/>
+          <a:lstStyle/>
+          <a:p>
+            <a:endParaRPr lang="en-US" dirty="0"/>
+          </a:p>
+        </p:txBody>
+      </p:sp>
+      <p:sp>
+        <p:nvSpPr>
+          <p:cNvPr id="4" name="Slide Number Placeholder 3"/>
+          <p:cNvSpPr>
+            <a:spLocks noGrp="1"/>
+          </p:cNvSpPr>
+          <p:nvPr>
+            <p:ph type="sldNum" sz="quarter" idx="5"/>
+          </p:nvPr>
+        </p:nvSpPr>
+        <p:spPr/>
+        <p:txBody>
+          <a:bodyPr/>
+          <a:lstStyle/>
+          <a:p>
+            <a:fld id="{F2BBDEDD-F9BD-5E42-9F44-6BD8679DBB25}" type="slidenum">
+              <a:rPr lang="en-US" smtClean="0"/>
+              <a:t>11</a:t>
+            </a:fld>
+            <a:endParaRPr lang="en-US"/>
+          </a:p>
+        </p:txBody>
+      </p:sp>
+    </p:spTree>
+    <p:extLst>
+      <p:ext uri="{BB962C8B-B14F-4D97-AF65-F5344CB8AC3E}">
+        <p14:creationId xmlns:p14="http://schemas.microsoft.com/office/powerpoint/2010/main" val="1442847883"/>
       </p:ext>
     </p:extLst>
   </p:cSld>
@@ -3286,7 +3796,7 @@
 </p:sld>
 </file>
 
-<file path=ppt/slides/slide2.xml><?xml version="1.0" encoding="utf-8"?>
+<file path=ppt/slides/slide10.xml><?xml version="1.0" encoding="utf-8"?>
 <p:sld xmlns:a="http://schemas.openxmlformats.org/drawingml/2006/main" xmlns:r="http://schemas.openxmlformats.org/officeDocument/2006/relationships" xmlns:p="http://schemas.openxmlformats.org/presentationml/2006/main">
   <p:cSld>
     <p:spTree>
@@ -3321,49 +3831,192 @@
         </p:nvSpPr>
         <p:spPr>
           <a:xfrm>
-            <a:off x="46263" y="986271"/>
-            <a:ext cx="12145737" cy="3326365"/>
+            <a:off x="28241" y="572878"/>
+            <a:ext cx="12227169" cy="6497803"/>
           </a:xfrm>
         </p:spPr>
         <p:txBody>
           <a:bodyPr/>
           <a:lstStyle/>
           <a:p>
+            <a:pPr marL="514350" indent="-514350">
+              <a:buFont typeface="+mj-lt"/>
+              <a:buAutoNum type="arabicParenR"/>
+            </a:pPr>
             <a:r>
               <a:rPr lang="en-US" sz="2800" dirty="0"/>
-              <a:t>- Implemented (A*-based)LQR closed-loop control for Reacher (3 goal </a:t>
+              <a:t>Solve issues of marker tracking. Then, make sure real hand model works with new data. Then, A*+PPO Rollout(100%) on real hand. If too good, reduce </a:t>
             </a:r>
             <a:r>
               <a:rPr lang="en-US" sz="2800" dirty="0" err="1"/>
-              <a:t>locs</a:t>
+              <a:t>data+retrain</a:t>
             </a:r>
             <a:r>
               <a:rPr lang="en-US" sz="2800" dirty="0"/>
-              <a:t>)</a:t>
-            </a:r>
-          </a:p>
-          <a:p>
-            <a:pPr marL="457200" indent="-457200">
-              <a:buFontTx/>
-              <a:buChar char="-"/>
+              <a:t> </a:t>
+            </a:r>
+            <a:r>
+              <a:rPr lang="en-US" sz="2800" dirty="0" err="1"/>
+              <a:t>dynamics+redo</a:t>
+            </a:r>
+            <a:r>
+              <a:rPr lang="en-US" sz="2800" dirty="0"/>
+              <a:t> A* and PPO and their rollouts? Then, LQR.</a:t>
+            </a:r>
+            <a:endParaRPr lang="en-US" sz="2800" dirty="0">
+              <a:solidFill>
+                <a:srgbClr val="FF0000"/>
+              </a:solidFill>
+            </a:endParaRPr>
+          </a:p>
+          <a:p>
+            <a:pPr marL="514350" indent="-514350">
+              <a:buFont typeface="+mj-lt"/>
+              <a:buAutoNum type="arabicParenR"/>
             </a:pPr>
-            <a:endParaRPr lang="en-US" sz="2800" dirty="0"/>
-          </a:p>
-          <a:p>
-            <a:r>
-              <a:rPr lang="en-US" sz="2800" dirty="0"/>
-              <a:t>- Calculated Matrix K for all 4 tasks</a:t>
-            </a:r>
-          </a:p>
-          <a:p>
-            <a:pPr marL="457200" indent="-457200">
-              <a:buFontTx/>
-              <a:buChar char="-"/>
+            <a:endParaRPr lang="en-US" sz="2800" dirty="0">
+              <a:solidFill>
+                <a:srgbClr val="FF0000"/>
+              </a:solidFill>
+            </a:endParaRPr>
+          </a:p>
+          <a:p>
+            <a:pPr marL="514350" indent="-514350">
+              <a:buFont typeface="+mj-lt"/>
+              <a:buAutoNum type="arabicParenR"/>
             </a:pPr>
-            <a:endParaRPr lang="en-US" sz="2800" dirty="0"/>
-          </a:p>
-          <a:p>
-            <a:endParaRPr lang="en-US" sz="2800" dirty="0"/>
+            <a:r>
+              <a:rPr lang="en-US" sz="2800" dirty="0">
+                <a:solidFill>
+                  <a:srgbClr val="FF0000"/>
+                </a:solidFill>
+              </a:rPr>
+              <a:t>Make gazebo hand task more difficult?</a:t>
+            </a:r>
+          </a:p>
+          <a:p>
+            <a:pPr marL="514350" indent="-514350">
+              <a:buAutoNum type="arabicParenR"/>
+            </a:pPr>
+            <a:endParaRPr lang="en-US" sz="2800" dirty="0">
+              <a:solidFill>
+                <a:srgbClr val="FF0000"/>
+              </a:solidFill>
+            </a:endParaRPr>
+          </a:p>
+          <a:p>
+            <a:pPr marL="514350" indent="-514350">
+              <a:buAutoNum type="arabicParenR"/>
+            </a:pPr>
+            <a:r>
+              <a:rPr lang="en-US" sz="2800" dirty="0">
+                <a:solidFill>
+                  <a:srgbClr val="FF0000"/>
+                </a:solidFill>
+              </a:rPr>
+              <a:t>LQR on </a:t>
+            </a:r>
+            <a:r>
+              <a:rPr lang="en-US" sz="2800" dirty="0" err="1">
+                <a:solidFill>
+                  <a:srgbClr val="FF0000"/>
+                </a:solidFill>
+              </a:rPr>
+              <a:t>Acrobot</a:t>
+            </a:r>
+            <a:r>
+              <a:rPr lang="en-US" sz="2800" dirty="0">
+                <a:solidFill>
+                  <a:srgbClr val="FF0000"/>
+                </a:solidFill>
+              </a:rPr>
+              <a:t>? Switch to other </a:t>
+            </a:r>
+            <a:r>
+              <a:rPr lang="en-US" sz="2800" dirty="0" err="1">
+                <a:solidFill>
+                  <a:srgbClr val="FF0000"/>
+                </a:solidFill>
+              </a:rPr>
+              <a:t>Mujoco</a:t>
+            </a:r>
+            <a:r>
+              <a:rPr lang="en-US" sz="2800" dirty="0">
+                <a:solidFill>
+                  <a:srgbClr val="FF0000"/>
+                </a:solidFill>
+              </a:rPr>
+              <a:t> tasks?</a:t>
+            </a:r>
+          </a:p>
+          <a:p>
+            <a:pPr marL="514350" indent="-514350">
+              <a:buAutoNum type="arabicParenR"/>
+            </a:pPr>
+            <a:endParaRPr lang="en-US" sz="2800" dirty="0">
+              <a:solidFill>
+                <a:srgbClr val="FF0000"/>
+              </a:solidFill>
+            </a:endParaRPr>
+          </a:p>
+          <a:p>
+            <a:pPr marL="514350" indent="-514350">
+              <a:buAutoNum type="arabicParenR"/>
+            </a:pPr>
+            <a:r>
+              <a:rPr lang="en-US" sz="2800" dirty="0">
+                <a:solidFill>
+                  <a:srgbClr val="FF0000"/>
+                </a:solidFill>
+              </a:rPr>
+              <a:t>Derive new equations, objective function and optimization procedures for our AIP</a:t>
+            </a:r>
+          </a:p>
+          <a:p>
+            <a:pPr marL="514350" indent="-514350">
+              <a:buAutoNum type="arabicParenR"/>
+            </a:pPr>
+            <a:endParaRPr lang="en-US" sz="2800" dirty="0">
+              <a:solidFill>
+                <a:srgbClr val="FF0000"/>
+              </a:solidFill>
+            </a:endParaRPr>
+          </a:p>
+          <a:p>
+            <a:pPr marL="514350" indent="-514350">
+              <a:buAutoNum type="arabicParenR"/>
+            </a:pPr>
+            <a:r>
+              <a:rPr lang="en-US" sz="2800" dirty="0">
+                <a:solidFill>
+                  <a:srgbClr val="FF0000"/>
+                </a:solidFill>
+              </a:rPr>
+              <a:t>Implement AIP</a:t>
+            </a:r>
+          </a:p>
+          <a:p>
+            <a:pPr marL="514350" indent="-514350">
+              <a:buAutoNum type="arabicParenR"/>
+            </a:pPr>
+            <a:endParaRPr lang="en-US" sz="2800" dirty="0">
+              <a:solidFill>
+                <a:srgbClr val="FF0000"/>
+              </a:solidFill>
+            </a:endParaRPr>
+          </a:p>
+          <a:p>
+            <a:pPr marL="514350" indent="-514350">
+              <a:buAutoNum type="arabicParenR"/>
+            </a:pPr>
+            <a:r>
+              <a:rPr lang="en-US" sz="2800" dirty="0">
+                <a:solidFill>
+                  <a:srgbClr val="FF0000"/>
+                </a:solidFill>
+              </a:rPr>
+              <a:t>Should also try closed loop control using PPO (trained from model) on real environment?</a:t>
+            </a:r>
           </a:p>
         </p:txBody>
       </p:sp>
@@ -3395,87 +4048,15 @@
           <a:p>
             <a:r>
               <a:rPr lang="en-US" dirty="0"/>
-              <a:t>Past week</a:t>
-            </a:r>
-          </a:p>
-        </p:txBody>
-      </p:sp>
-      <p:pic>
-        <p:nvPicPr>
-          <p:cNvPr id="5" name="Picture 4" descr="A picture containing knife&#10;&#10;Description automatically generated">
-            <a:extLst>
-              <a:ext uri="{FF2B5EF4-FFF2-40B4-BE49-F238E27FC236}">
-                <a16:creationId xmlns:a16="http://schemas.microsoft.com/office/drawing/2014/main" id="{CC77BE00-1F77-BE43-8640-70FB82A0CE92}"/>
-              </a:ext>
-            </a:extLst>
-          </p:cNvPr>
-          <p:cNvPicPr>
-            <a:picLocks noChangeAspect="1"/>
-          </p:cNvPicPr>
-          <p:nvPr/>
-        </p:nvPicPr>
-        <p:blipFill>
-          <a:blip r:embed="rId3">
-            <a:extLst>
-              <a:ext uri="{28A0092B-C50C-407E-A947-70E740481C1C}">
-                <a14:useLocalDpi xmlns:a14="http://schemas.microsoft.com/office/drawing/2010/main" val="0"/>
-              </a:ext>
-            </a:extLst>
-          </a:blip>
-          <a:stretch>
-            <a:fillRect/>
-          </a:stretch>
-        </p:blipFill>
-        <p:spPr>
-          <a:xfrm>
-            <a:off x="2309812" y="3429000"/>
-            <a:ext cx="8458200" cy="2044700"/>
-          </a:xfrm>
-          <a:prstGeom prst="rect">
-            <a:avLst/>
-          </a:prstGeom>
-        </p:spPr>
-      </p:pic>
-      <p:pic>
-        <p:nvPicPr>
-          <p:cNvPr id="8" name="Picture 7" descr="A picture containing knife&#10;&#10;Description automatically generated">
-            <a:extLst>
-              <a:ext uri="{FF2B5EF4-FFF2-40B4-BE49-F238E27FC236}">
-                <a16:creationId xmlns:a16="http://schemas.microsoft.com/office/drawing/2014/main" id="{64FB96BC-33E5-DD42-A634-89B471F116C7}"/>
-              </a:ext>
-            </a:extLst>
-          </p:cNvPr>
-          <p:cNvPicPr>
-            <a:picLocks noChangeAspect="1"/>
-          </p:cNvPicPr>
-          <p:nvPr/>
-        </p:nvPicPr>
-        <p:blipFill>
-          <a:blip r:embed="rId4">
-            <a:extLst>
-              <a:ext uri="{28A0092B-C50C-407E-A947-70E740481C1C}">
-                <a14:useLocalDpi xmlns:a14="http://schemas.microsoft.com/office/drawing/2010/main" val="0"/>
-              </a:ext>
-            </a:extLst>
-          </a:blip>
-          <a:stretch>
-            <a:fillRect/>
-          </a:stretch>
-        </p:blipFill>
-        <p:spPr>
-          <a:xfrm>
-            <a:off x="2309812" y="5332965"/>
-            <a:ext cx="7213600" cy="1422400"/>
-          </a:xfrm>
-          <a:prstGeom prst="rect">
-            <a:avLst/>
-          </a:prstGeom>
-        </p:spPr>
-      </p:pic>
+              <a:t>Next plans</a:t>
+            </a:r>
+          </a:p>
+        </p:txBody>
+      </p:sp>
     </p:spTree>
     <p:extLst>
       <p:ext uri="{BB962C8B-B14F-4D97-AF65-F5344CB8AC3E}">
-        <p14:creationId xmlns:p14="http://schemas.microsoft.com/office/powerpoint/2010/main" val="1801609304"/>
+        <p14:creationId xmlns:p14="http://schemas.microsoft.com/office/powerpoint/2010/main" val="3969442806"/>
       </p:ext>
     </p:extLst>
   </p:cSld>
@@ -3485,7 +4066,7 @@
 </p:sld>
 </file>
 
-<file path=ppt/slides/slide3.xml><?xml version="1.0" encoding="utf-8"?>
+<file path=ppt/slides/slide11.xml><?xml version="1.0" encoding="utf-8"?>
 <p:sld xmlns:a="http://schemas.openxmlformats.org/drawingml/2006/main" xmlns:r="http://schemas.openxmlformats.org/officeDocument/2006/relationships" xmlns:p="http://schemas.openxmlformats.org/presentationml/2006/main">
   <p:cSld>
     <p:spTree>
@@ -3502,930 +4083,6 @@
           <a:chExt cx="0" cy="0"/>
         </a:xfrm>
       </p:grpSpPr>
-      <p:pic>
-        <p:nvPicPr>
-          <p:cNvPr id="3" name="Picture 2" descr="A close up of a map&#10;&#10;Description automatically generated">
-            <a:extLst>
-              <a:ext uri="{FF2B5EF4-FFF2-40B4-BE49-F238E27FC236}">
-                <a16:creationId xmlns:a16="http://schemas.microsoft.com/office/drawing/2014/main" id="{0CB3C1D6-7286-0F4D-927C-0B4AC5074D80}"/>
-              </a:ext>
-            </a:extLst>
-          </p:cNvPr>
-          <p:cNvPicPr>
-            <a:picLocks noChangeAspect="1"/>
-          </p:cNvPicPr>
-          <p:nvPr/>
-        </p:nvPicPr>
-        <p:blipFill>
-          <a:blip r:embed="rId2">
-            <a:extLst>
-              <a:ext uri="{28A0092B-C50C-407E-A947-70E740481C1C}">
-                <a14:useLocalDpi xmlns:a14="http://schemas.microsoft.com/office/drawing/2010/main" val="0"/>
-              </a:ext>
-            </a:extLst>
-          </a:blip>
-          <a:stretch>
-            <a:fillRect/>
-          </a:stretch>
-        </p:blipFill>
-        <p:spPr>
-          <a:xfrm>
-            <a:off x="2438400" y="1828800"/>
-            <a:ext cx="0" cy="0"/>
-          </a:xfrm>
-          <a:prstGeom prst="rect">
-            <a:avLst/>
-          </a:prstGeom>
-        </p:spPr>
-      </p:pic>
-      <p:sp>
-        <p:nvSpPr>
-          <p:cNvPr id="19" name="TextBox 18">
-            <a:extLst>
-              <a:ext uri="{FF2B5EF4-FFF2-40B4-BE49-F238E27FC236}">
-                <a16:creationId xmlns:a16="http://schemas.microsoft.com/office/drawing/2014/main" id="{078CA43E-3582-AF46-8470-F196E16540A5}"/>
-              </a:ext>
-            </a:extLst>
-          </p:cNvPr>
-          <p:cNvSpPr txBox="1"/>
-          <p:nvPr/>
-        </p:nvSpPr>
-        <p:spPr>
-          <a:xfrm>
-            <a:off x="10938745" y="1867842"/>
-            <a:ext cx="945931" cy="369332"/>
-          </a:xfrm>
-          <a:prstGeom prst="rect">
-            <a:avLst/>
-          </a:prstGeom>
-          <a:noFill/>
-        </p:spPr>
-        <p:txBody>
-          <a:bodyPr wrap="square" rtlCol="0">
-            <a:spAutoFit/>
-          </a:bodyPr>
-          <a:lstStyle/>
-          <a:p>
-            <a:r>
-              <a:rPr lang="en-US" dirty="0"/>
-              <a:t>A*</a:t>
-            </a:r>
-          </a:p>
-        </p:txBody>
-      </p:sp>
-      <p:pic>
-        <p:nvPicPr>
-          <p:cNvPr id="4" name="Picture 3" descr="A screenshot of a cell phone&#10;&#10;Description automatically generated">
-            <a:extLst>
-              <a:ext uri="{FF2B5EF4-FFF2-40B4-BE49-F238E27FC236}">
-                <a16:creationId xmlns:a16="http://schemas.microsoft.com/office/drawing/2014/main" id="{8ECE24D4-8B8E-A74C-906A-BF8F21212183}"/>
-              </a:ext>
-            </a:extLst>
-          </p:cNvPr>
-          <p:cNvPicPr>
-            <a:picLocks noChangeAspect="1"/>
-          </p:cNvPicPr>
-          <p:nvPr/>
-        </p:nvPicPr>
-        <p:blipFill>
-          <a:blip r:embed="rId3">
-            <a:extLst>
-              <a:ext uri="{28A0092B-C50C-407E-A947-70E740481C1C}">
-                <a14:useLocalDpi xmlns:a14="http://schemas.microsoft.com/office/drawing/2010/main" val="0"/>
-              </a:ext>
-            </a:extLst>
-          </a:blip>
-          <a:stretch>
-            <a:fillRect/>
-          </a:stretch>
-        </p:blipFill>
-        <p:spPr>
-          <a:xfrm>
-            <a:off x="144137" y="-176272"/>
-            <a:ext cx="3200400" cy="3200400"/>
-          </a:xfrm>
-          <a:prstGeom prst="rect">
-            <a:avLst/>
-          </a:prstGeom>
-        </p:spPr>
-      </p:pic>
-      <p:pic>
-        <p:nvPicPr>
-          <p:cNvPr id="6" name="Picture 5" descr="A close up of a map&#10;&#10;Description automatically generated">
-            <a:extLst>
-              <a:ext uri="{FF2B5EF4-FFF2-40B4-BE49-F238E27FC236}">
-                <a16:creationId xmlns:a16="http://schemas.microsoft.com/office/drawing/2014/main" id="{86B29744-5646-3B4F-A8F9-940CBAE9E8BC}"/>
-              </a:ext>
-            </a:extLst>
-          </p:cNvPr>
-          <p:cNvPicPr>
-            <a:picLocks noChangeAspect="1"/>
-          </p:cNvPicPr>
-          <p:nvPr/>
-        </p:nvPicPr>
-        <p:blipFill>
-          <a:blip r:embed="rId4">
-            <a:extLst>
-              <a:ext uri="{28A0092B-C50C-407E-A947-70E740481C1C}">
-                <a14:useLocalDpi xmlns:a14="http://schemas.microsoft.com/office/drawing/2010/main" val="0"/>
-              </a:ext>
-            </a:extLst>
-          </a:blip>
-          <a:stretch>
-            <a:fillRect/>
-          </a:stretch>
-        </p:blipFill>
-        <p:spPr>
-          <a:xfrm>
-            <a:off x="4052888" y="-176272"/>
-            <a:ext cx="3200400" cy="3200400"/>
-          </a:xfrm>
-          <a:prstGeom prst="rect">
-            <a:avLst/>
-          </a:prstGeom>
-        </p:spPr>
-      </p:pic>
-      <p:pic>
-        <p:nvPicPr>
-          <p:cNvPr id="8" name="Picture 7" descr="A screenshot of a cell phone&#10;&#10;Description automatically generated">
-            <a:extLst>
-              <a:ext uri="{FF2B5EF4-FFF2-40B4-BE49-F238E27FC236}">
-                <a16:creationId xmlns:a16="http://schemas.microsoft.com/office/drawing/2014/main" id="{19B51240-75FF-4540-B368-3F0AC283BAC5}"/>
-              </a:ext>
-            </a:extLst>
-          </p:cNvPr>
-          <p:cNvPicPr>
-            <a:picLocks noChangeAspect="1"/>
-          </p:cNvPicPr>
-          <p:nvPr/>
-        </p:nvPicPr>
-        <p:blipFill>
-          <a:blip r:embed="rId5">
-            <a:extLst>
-              <a:ext uri="{28A0092B-C50C-407E-A947-70E740481C1C}">
-                <a14:useLocalDpi xmlns:a14="http://schemas.microsoft.com/office/drawing/2010/main" val="0"/>
-              </a:ext>
-            </a:extLst>
-          </a:blip>
-          <a:stretch>
-            <a:fillRect/>
-          </a:stretch>
-        </p:blipFill>
-        <p:spPr>
-          <a:xfrm>
-            <a:off x="7613257" y="-176272"/>
-            <a:ext cx="3200400" cy="3200400"/>
-          </a:xfrm>
-          <a:prstGeom prst="rect">
-            <a:avLst/>
-          </a:prstGeom>
-        </p:spPr>
-      </p:pic>
-      <p:pic>
-        <p:nvPicPr>
-          <p:cNvPr id="9" name="Picture 8" descr="A screenshot of a cell phone&#10;&#10;Description automatically generated">
-            <a:extLst>
-              <a:ext uri="{FF2B5EF4-FFF2-40B4-BE49-F238E27FC236}">
-                <a16:creationId xmlns:a16="http://schemas.microsoft.com/office/drawing/2014/main" id="{3B4EBE4D-D801-3B47-A30B-BA911B8B7728}"/>
-              </a:ext>
-            </a:extLst>
-          </p:cNvPr>
-          <p:cNvPicPr>
-            <a:picLocks noChangeAspect="1"/>
-          </p:cNvPicPr>
-          <p:nvPr/>
-        </p:nvPicPr>
-        <p:blipFill>
-          <a:blip r:embed="rId6">
-            <a:extLst>
-              <a:ext uri="{28A0092B-C50C-407E-A947-70E740481C1C}">
-                <a14:useLocalDpi xmlns:a14="http://schemas.microsoft.com/office/drawing/2010/main" val="0"/>
-              </a:ext>
-            </a:extLst>
-          </a:blip>
-          <a:stretch>
-            <a:fillRect/>
-          </a:stretch>
-        </p:blipFill>
-        <p:spPr>
-          <a:xfrm>
-            <a:off x="144137" y="3671374"/>
-            <a:ext cx="3200400" cy="3200400"/>
-          </a:xfrm>
-          <a:prstGeom prst="rect">
-            <a:avLst/>
-          </a:prstGeom>
-        </p:spPr>
-      </p:pic>
-      <p:pic>
-        <p:nvPicPr>
-          <p:cNvPr id="10" name="Picture 9" descr="A close up of a map&#10;&#10;Description automatically generated">
-            <a:extLst>
-              <a:ext uri="{FF2B5EF4-FFF2-40B4-BE49-F238E27FC236}">
-                <a16:creationId xmlns:a16="http://schemas.microsoft.com/office/drawing/2014/main" id="{DC139170-58C5-314A-B206-F2E5C57630C4}"/>
-              </a:ext>
-            </a:extLst>
-          </p:cNvPr>
-          <p:cNvPicPr>
-            <a:picLocks noChangeAspect="1"/>
-          </p:cNvPicPr>
-          <p:nvPr/>
-        </p:nvPicPr>
-        <p:blipFill>
-          <a:blip r:embed="rId7">
-            <a:extLst>
-              <a:ext uri="{28A0092B-C50C-407E-A947-70E740481C1C}">
-                <a14:useLocalDpi xmlns:a14="http://schemas.microsoft.com/office/drawing/2010/main" val="0"/>
-              </a:ext>
-            </a:extLst>
-          </a:blip>
-          <a:stretch>
-            <a:fillRect/>
-          </a:stretch>
-        </p:blipFill>
-        <p:spPr>
-          <a:xfrm>
-            <a:off x="4052888" y="3671374"/>
-            <a:ext cx="3200400" cy="3200400"/>
-          </a:xfrm>
-          <a:prstGeom prst="rect">
-            <a:avLst/>
-          </a:prstGeom>
-        </p:spPr>
-      </p:pic>
-      <p:pic>
-        <p:nvPicPr>
-          <p:cNvPr id="11" name="Picture 10" descr="A screenshot of a cell phone&#10;&#10;Description automatically generated">
-            <a:extLst>
-              <a:ext uri="{FF2B5EF4-FFF2-40B4-BE49-F238E27FC236}">
-                <a16:creationId xmlns:a16="http://schemas.microsoft.com/office/drawing/2014/main" id="{4449CDA8-C26B-2348-9EB7-C572666C8BEA}"/>
-              </a:ext>
-            </a:extLst>
-          </p:cNvPr>
-          <p:cNvPicPr>
-            <a:picLocks noChangeAspect="1"/>
-          </p:cNvPicPr>
-          <p:nvPr/>
-        </p:nvPicPr>
-        <p:blipFill>
-          <a:blip r:embed="rId8">
-            <a:extLst>
-              <a:ext uri="{28A0092B-C50C-407E-A947-70E740481C1C}">
-                <a14:useLocalDpi xmlns:a14="http://schemas.microsoft.com/office/drawing/2010/main" val="0"/>
-              </a:ext>
-            </a:extLst>
-          </a:blip>
-          <a:stretch>
-            <a:fillRect/>
-          </a:stretch>
-        </p:blipFill>
-        <p:spPr>
-          <a:xfrm>
-            <a:off x="7613257" y="3671374"/>
-            <a:ext cx="3200400" cy="3200400"/>
-          </a:xfrm>
-          <a:prstGeom prst="rect">
-            <a:avLst/>
-          </a:prstGeom>
-        </p:spPr>
-      </p:pic>
-      <p:sp>
-        <p:nvSpPr>
-          <p:cNvPr id="12" name="TextBox 11">
-            <a:extLst>
-              <a:ext uri="{FF2B5EF4-FFF2-40B4-BE49-F238E27FC236}">
-                <a16:creationId xmlns:a16="http://schemas.microsoft.com/office/drawing/2014/main" id="{136F7C20-9BDD-374B-B6EF-98A7808CC2D3}"/>
-              </a:ext>
-            </a:extLst>
-          </p:cNvPr>
-          <p:cNvSpPr txBox="1"/>
-          <p:nvPr/>
-        </p:nvSpPr>
-        <p:spPr>
-          <a:xfrm>
-            <a:off x="10424630" y="4844534"/>
-            <a:ext cx="1862620" cy="369332"/>
-          </a:xfrm>
-          <a:prstGeom prst="rect">
-            <a:avLst/>
-          </a:prstGeom>
-          <a:noFill/>
-        </p:spPr>
-        <p:txBody>
-          <a:bodyPr wrap="square" rtlCol="0">
-            <a:spAutoFit/>
-          </a:bodyPr>
-          <a:lstStyle/>
-          <a:p>
-            <a:r>
-              <a:rPr lang="en-US" dirty="0"/>
-              <a:t>(A*-based) LQR</a:t>
-            </a:r>
-          </a:p>
-        </p:txBody>
-      </p:sp>
-      <p:graphicFrame>
-        <p:nvGraphicFramePr>
-          <p:cNvPr id="5" name="Table 6">
-            <a:extLst>
-              <a:ext uri="{FF2B5EF4-FFF2-40B4-BE49-F238E27FC236}">
-                <a16:creationId xmlns:a16="http://schemas.microsoft.com/office/drawing/2014/main" id="{160C50DD-1204-3243-8F34-5C7BADBED280}"/>
-              </a:ext>
-            </a:extLst>
-          </p:cNvPr>
-          <p:cNvGraphicFramePr>
-            <a:graphicFrameLocks noGrp="1"/>
-          </p:cNvGraphicFramePr>
-          <p:nvPr>
-            <p:extLst>
-              <p:ext uri="{D42A27DB-BD31-4B8C-83A1-F6EECF244321}">
-                <p14:modId xmlns:p14="http://schemas.microsoft.com/office/powerpoint/2010/main" val="2655294596"/>
-              </p:ext>
-            </p:extLst>
-          </p:nvPr>
-        </p:nvGraphicFramePr>
-        <p:xfrm>
-          <a:off x="1589088" y="2872740"/>
-          <a:ext cx="8128000" cy="1112520"/>
-        </p:xfrm>
-        <a:graphic>
-          <a:graphicData uri="http://schemas.openxmlformats.org/drawingml/2006/table">
-            <a:tbl>
-              <a:tblPr firstRow="1" bandRow="1">
-                <a:tableStyleId>{5C22544A-7EE6-4342-B048-85BDC9FD1C3A}</a:tableStyleId>
-              </a:tblPr>
-              <a:tblGrid>
-                <a:gridCol w="2032000">
-                  <a:extLst>
-                    <a:ext uri="{9D8B030D-6E8A-4147-A177-3AD203B41FA5}">
-                      <a16:colId xmlns:a16="http://schemas.microsoft.com/office/drawing/2014/main" val="3391594689"/>
-                    </a:ext>
-                  </a:extLst>
-                </a:gridCol>
-                <a:gridCol w="2032000">
-                  <a:extLst>
-                    <a:ext uri="{9D8B030D-6E8A-4147-A177-3AD203B41FA5}">
-                      <a16:colId xmlns:a16="http://schemas.microsoft.com/office/drawing/2014/main" val="2685098187"/>
-                    </a:ext>
-                  </a:extLst>
-                </a:gridCol>
-                <a:gridCol w="2032000">
-                  <a:extLst>
-                    <a:ext uri="{9D8B030D-6E8A-4147-A177-3AD203B41FA5}">
-                      <a16:colId xmlns:a16="http://schemas.microsoft.com/office/drawing/2014/main" val="2502073186"/>
-                    </a:ext>
-                  </a:extLst>
-                </a:gridCol>
-                <a:gridCol w="2032000">
-                  <a:extLst>
-                    <a:ext uri="{9D8B030D-6E8A-4147-A177-3AD203B41FA5}">
-                      <a16:colId xmlns:a16="http://schemas.microsoft.com/office/drawing/2014/main" val="830852929"/>
-                    </a:ext>
-                  </a:extLst>
-                </a:gridCol>
-              </a:tblGrid>
-              <a:tr h="370840">
-                <a:tc>
-                  <a:txBody>
-                    <a:bodyPr/>
-                    <a:lstStyle/>
-                    <a:p>
-                      <a:r>
-                        <a:rPr lang="en-US" dirty="0"/>
-                        <a:t>Method</a:t>
-                      </a:r>
-                    </a:p>
-                  </a:txBody>
-                  <a:tcPr/>
-                </a:tc>
-                <a:tc>
-                  <a:txBody>
-                    <a:bodyPr/>
-                    <a:lstStyle/>
-                    <a:p>
-                      <a:r>
-                        <a:rPr lang="en-US" dirty="0"/>
-                        <a:t>Goal Loc 1</a:t>
-                      </a:r>
-                    </a:p>
-                  </a:txBody>
-                  <a:tcPr/>
-                </a:tc>
-                <a:tc>
-                  <a:txBody>
-                    <a:bodyPr/>
-                    <a:lstStyle/>
-                    <a:p>
-                      <a:pPr marL="0" marR="0" lvl="0" indent="0" algn="l" defTabSz="914400" rtl="0" eaLnBrk="1" fontAlgn="auto" latinLnBrk="0" hangingPunct="1">
-                        <a:lnSpc>
-                          <a:spcPct val="100000"/>
-                        </a:lnSpc>
-                        <a:spcBef>
-                          <a:spcPts val="0"/>
-                        </a:spcBef>
-                        <a:spcAft>
-                          <a:spcPts val="0"/>
-                        </a:spcAft>
-                        <a:buClrTx/>
-                        <a:buSzTx/>
-                        <a:buFontTx/>
-                        <a:buNone/>
-                        <a:tabLst/>
-                        <a:defRPr/>
-                      </a:pPr>
-                      <a:r>
-                        <a:rPr lang="en-US" dirty="0"/>
-                        <a:t>Goal Loc 2</a:t>
-                      </a:r>
-                    </a:p>
-                  </a:txBody>
-                  <a:tcPr/>
-                </a:tc>
-                <a:tc>
-                  <a:txBody>
-                    <a:bodyPr/>
-                    <a:lstStyle/>
-                    <a:p>
-                      <a:pPr marL="0" marR="0" lvl="0" indent="0" algn="l" defTabSz="914400" rtl="0" eaLnBrk="1" fontAlgn="auto" latinLnBrk="0" hangingPunct="1">
-                        <a:lnSpc>
-                          <a:spcPct val="100000"/>
-                        </a:lnSpc>
-                        <a:spcBef>
-                          <a:spcPts val="0"/>
-                        </a:spcBef>
-                        <a:spcAft>
-                          <a:spcPts val="0"/>
-                        </a:spcAft>
-                        <a:buClrTx/>
-                        <a:buSzTx/>
-                        <a:buFontTx/>
-                        <a:buNone/>
-                        <a:tabLst/>
-                        <a:defRPr/>
-                      </a:pPr>
-                      <a:r>
-                        <a:rPr lang="en-US" dirty="0"/>
-                        <a:t>Goal Loc 5</a:t>
-                      </a:r>
-                    </a:p>
-                  </a:txBody>
-                  <a:tcPr/>
-                </a:tc>
-                <a:extLst>
-                  <a:ext uri="{0D108BD9-81ED-4DB2-BD59-A6C34878D82A}">
-                    <a16:rowId xmlns:a16="http://schemas.microsoft.com/office/drawing/2014/main" val="2717540054"/>
-                  </a:ext>
-                </a:extLst>
-              </a:tr>
-              <a:tr h="370840">
-                <a:tc>
-                  <a:txBody>
-                    <a:bodyPr/>
-                    <a:lstStyle/>
-                    <a:p>
-                      <a:r>
-                        <a:rPr lang="en-US" dirty="0"/>
-                        <a:t>A*</a:t>
-                      </a:r>
-                    </a:p>
-                  </a:txBody>
-                  <a:tcPr/>
-                </a:tc>
-                <a:tc>
-                  <a:txBody>
-                    <a:bodyPr/>
-                    <a:lstStyle/>
-                    <a:p>
-                      <a:r>
-                        <a:rPr lang="en-US" dirty="0"/>
-                        <a:t>0%</a:t>
-                      </a:r>
-                    </a:p>
-                  </a:txBody>
-                  <a:tcPr/>
-                </a:tc>
-                <a:tc>
-                  <a:txBody>
-                    <a:bodyPr/>
-                    <a:lstStyle/>
-                    <a:p>
-                      <a:r>
-                        <a:rPr lang="en-US" dirty="0"/>
-                        <a:t>100%</a:t>
-                      </a:r>
-                    </a:p>
-                  </a:txBody>
-                  <a:tcPr/>
-                </a:tc>
-                <a:tc>
-                  <a:txBody>
-                    <a:bodyPr/>
-                    <a:lstStyle/>
-                    <a:p>
-                      <a:r>
-                        <a:rPr lang="en-US" dirty="0"/>
-                        <a:t>0%</a:t>
-                      </a:r>
-                    </a:p>
-                  </a:txBody>
-                  <a:tcPr/>
-                </a:tc>
-                <a:extLst>
-                  <a:ext uri="{0D108BD9-81ED-4DB2-BD59-A6C34878D82A}">
-                    <a16:rowId xmlns:a16="http://schemas.microsoft.com/office/drawing/2014/main" val="543739187"/>
-                  </a:ext>
-                </a:extLst>
-              </a:tr>
-              <a:tr h="370840">
-                <a:tc>
-                  <a:txBody>
-                    <a:bodyPr/>
-                    <a:lstStyle/>
-                    <a:p>
-                      <a:r>
-                        <a:rPr lang="en-US" dirty="0"/>
-                        <a:t>LQR</a:t>
-                      </a:r>
-                    </a:p>
-                  </a:txBody>
-                  <a:tcPr/>
-                </a:tc>
-                <a:tc>
-                  <a:txBody>
-                    <a:bodyPr/>
-                    <a:lstStyle/>
-                    <a:p>
-                      <a:r>
-                        <a:rPr lang="en-US" dirty="0"/>
-                        <a:t>100%</a:t>
-                      </a:r>
-                    </a:p>
-                  </a:txBody>
-                  <a:tcPr/>
-                </a:tc>
-                <a:tc>
-                  <a:txBody>
-                    <a:bodyPr/>
-                    <a:lstStyle/>
-                    <a:p>
-                      <a:r>
-                        <a:rPr lang="en-US" dirty="0"/>
-                        <a:t>0%</a:t>
-                      </a:r>
-                    </a:p>
-                  </a:txBody>
-                  <a:tcPr/>
-                </a:tc>
-                <a:tc>
-                  <a:txBody>
-                    <a:bodyPr/>
-                    <a:lstStyle/>
-                    <a:p>
-                      <a:r>
-                        <a:rPr lang="en-US" dirty="0"/>
-                        <a:t>100%</a:t>
-                      </a:r>
-                    </a:p>
-                  </a:txBody>
-                  <a:tcPr/>
-                </a:tc>
-                <a:extLst>
-                  <a:ext uri="{0D108BD9-81ED-4DB2-BD59-A6C34878D82A}">
-                    <a16:rowId xmlns:a16="http://schemas.microsoft.com/office/drawing/2014/main" val="2467483516"/>
-                  </a:ext>
-                </a:extLst>
-              </a:tr>
-            </a:tbl>
-          </a:graphicData>
-        </a:graphic>
-      </p:graphicFrame>
-    </p:spTree>
-    <p:extLst>
-      <p:ext uri="{BB962C8B-B14F-4D97-AF65-F5344CB8AC3E}">
-        <p14:creationId xmlns:p14="http://schemas.microsoft.com/office/powerpoint/2010/main" val="3425099900"/>
-      </p:ext>
-    </p:extLst>
-  </p:cSld>
-  <p:clrMapOvr>
-    <a:masterClrMapping/>
-  </p:clrMapOvr>
-  <p:timing>
-    <p:tnLst>
-      <p:par>
-        <p:cTn id="1" dur="indefinite" restart="never" nodeType="tmRoot">
-          <p:childTnLst>
-            <p:seq>
-              <p:cTn id="2" nodeType="mainSeq"/>
-              <p:prevCondLst>
-                <p:cond evt="onPrev" delay="0">
-                  <p:tgtEl>
-                    <p:sldTgt/>
-                  </p:tgtEl>
-                </p:cond>
-              </p:prevCondLst>
-              <p:nextCondLst>
-                <p:cond evt="onNext" delay="0">
-                  <p:tgtEl>
-                    <p:sldTgt/>
-                  </p:tgtEl>
-                </p:cond>
-              </p:nextCondLst>
-            </p:seq>
-          </p:childTnLst>
-        </p:cTn>
-      </p:par>
-    </p:tnLst>
-  </p:timing>
-</p:sld>
-</file>
-
-<file path=ppt/slides/slide4.xml><?xml version="1.0" encoding="utf-8"?>
-<p:sld xmlns:a="http://schemas.openxmlformats.org/drawingml/2006/main" xmlns:r="http://schemas.openxmlformats.org/officeDocument/2006/relationships" xmlns:p="http://schemas.openxmlformats.org/presentationml/2006/main">
-  <p:cSld>
-    <p:spTree>
-      <p:nvGrpSpPr>
-        <p:cNvPr id="1" name=""/>
-        <p:cNvGrpSpPr/>
-        <p:nvPr/>
-      </p:nvGrpSpPr>
-      <p:grpSpPr>
-        <a:xfrm>
-          <a:off x="0" y="0"/>
-          <a:ext cx="0" cy="0"/>
-          <a:chOff x="0" y="0"/>
-          <a:chExt cx="0" cy="0"/>
-        </a:xfrm>
-      </p:grpSpPr>
-      <p:sp>
-        <p:nvSpPr>
-          <p:cNvPr id="3" name="Subtitle 2">
-            <a:extLst>
-              <a:ext uri="{FF2B5EF4-FFF2-40B4-BE49-F238E27FC236}">
-                <a16:creationId xmlns:a16="http://schemas.microsoft.com/office/drawing/2014/main" id="{816C2C78-2FBC-E147-A05D-30A6520F17EA}"/>
-              </a:ext>
-            </a:extLst>
-          </p:cNvPr>
-          <p:cNvSpPr>
-            <a:spLocks noGrp="1"/>
-          </p:cNvSpPr>
-          <p:nvPr>
-            <p:ph type="subTitle"/>
-          </p:nvPr>
-        </p:nvSpPr>
-        <p:spPr>
-          <a:xfrm>
-            <a:off x="28241" y="572878"/>
-            <a:ext cx="12227169" cy="6497803"/>
-          </a:xfrm>
-        </p:spPr>
-        <p:txBody>
-          <a:bodyPr/>
-          <a:lstStyle/>
-          <a:p>
-            <a:pPr marL="514350" indent="-514350">
-              <a:buFont typeface="+mj-lt"/>
-              <a:buAutoNum type="arabicParenR"/>
-            </a:pPr>
-            <a:r>
-              <a:rPr lang="en-US" sz="2800" dirty="0"/>
-              <a:t>Solve issues of marker tracking. Then, make sure real hand model works with new data. Then, A*+PPO Rollout(100%) on real hand. If too good, reduce </a:t>
-            </a:r>
-            <a:r>
-              <a:rPr lang="en-US" sz="2800" dirty="0" err="1"/>
-              <a:t>data+retrain</a:t>
-            </a:r>
-            <a:r>
-              <a:rPr lang="en-US" sz="2800" dirty="0"/>
-              <a:t> </a:t>
-            </a:r>
-            <a:r>
-              <a:rPr lang="en-US" sz="2800" dirty="0" err="1"/>
-              <a:t>dynamics+redo</a:t>
-            </a:r>
-            <a:r>
-              <a:rPr lang="en-US" sz="2800" dirty="0"/>
-              <a:t> A* and PPO and their rollouts? Then, LQR.</a:t>
-            </a:r>
-            <a:endParaRPr lang="en-US" sz="2800" dirty="0">
-              <a:solidFill>
-                <a:srgbClr val="FF0000"/>
-              </a:solidFill>
-            </a:endParaRPr>
-          </a:p>
-          <a:p>
-            <a:pPr marL="514350" indent="-514350">
-              <a:buFont typeface="+mj-lt"/>
-              <a:buAutoNum type="arabicParenR"/>
-            </a:pPr>
-            <a:endParaRPr lang="en-US" sz="2800" dirty="0">
-              <a:solidFill>
-                <a:srgbClr val="FF0000"/>
-              </a:solidFill>
-            </a:endParaRPr>
-          </a:p>
-          <a:p>
-            <a:pPr marL="514350" indent="-514350">
-              <a:buFont typeface="+mj-lt"/>
-              <a:buAutoNum type="arabicParenR"/>
-            </a:pPr>
-            <a:r>
-              <a:rPr lang="en-US" sz="2800" dirty="0">
-                <a:solidFill>
-                  <a:srgbClr val="FF0000"/>
-                </a:solidFill>
-              </a:rPr>
-              <a:t>Make gazebo hand task more difficult?</a:t>
-            </a:r>
-          </a:p>
-          <a:p>
-            <a:pPr marL="514350" indent="-514350">
-              <a:buAutoNum type="arabicParenR"/>
-            </a:pPr>
-            <a:endParaRPr lang="en-US" sz="2800" dirty="0">
-              <a:solidFill>
-                <a:srgbClr val="FF0000"/>
-              </a:solidFill>
-            </a:endParaRPr>
-          </a:p>
-          <a:p>
-            <a:pPr marL="514350" indent="-514350">
-              <a:buAutoNum type="arabicParenR"/>
-            </a:pPr>
-            <a:r>
-              <a:rPr lang="en-US" sz="2800" dirty="0">
-                <a:solidFill>
-                  <a:srgbClr val="FF0000"/>
-                </a:solidFill>
-              </a:rPr>
-              <a:t>LQR on </a:t>
-            </a:r>
-            <a:r>
-              <a:rPr lang="en-US" sz="2800" dirty="0" err="1">
-                <a:solidFill>
-                  <a:srgbClr val="FF0000"/>
-                </a:solidFill>
-              </a:rPr>
-              <a:t>Acrobot</a:t>
-            </a:r>
-            <a:r>
-              <a:rPr lang="en-US" sz="2800" dirty="0">
-                <a:solidFill>
-                  <a:srgbClr val="FF0000"/>
-                </a:solidFill>
-              </a:rPr>
-              <a:t>? Switch to other </a:t>
-            </a:r>
-            <a:r>
-              <a:rPr lang="en-US" sz="2800" dirty="0" err="1">
-                <a:solidFill>
-                  <a:srgbClr val="FF0000"/>
-                </a:solidFill>
-              </a:rPr>
-              <a:t>Mujoco</a:t>
-            </a:r>
-            <a:r>
-              <a:rPr lang="en-US" sz="2800" dirty="0">
-                <a:solidFill>
-                  <a:srgbClr val="FF0000"/>
-                </a:solidFill>
-              </a:rPr>
-              <a:t> tasks?</a:t>
-            </a:r>
-          </a:p>
-          <a:p>
-            <a:pPr marL="514350" indent="-514350">
-              <a:buAutoNum type="arabicParenR"/>
-            </a:pPr>
-            <a:endParaRPr lang="en-US" sz="2800" dirty="0">
-              <a:solidFill>
-                <a:srgbClr val="FF0000"/>
-              </a:solidFill>
-            </a:endParaRPr>
-          </a:p>
-          <a:p>
-            <a:pPr marL="514350" indent="-514350">
-              <a:buAutoNum type="arabicParenR"/>
-            </a:pPr>
-            <a:r>
-              <a:rPr lang="en-US" sz="2800" dirty="0">
-                <a:solidFill>
-                  <a:srgbClr val="FF0000"/>
-                </a:solidFill>
-              </a:rPr>
-              <a:t>Derive new equations, objective function and optimization procedures for our AIP</a:t>
-            </a:r>
-          </a:p>
-          <a:p>
-            <a:pPr marL="514350" indent="-514350">
-              <a:buAutoNum type="arabicParenR"/>
-            </a:pPr>
-            <a:endParaRPr lang="en-US" sz="2800" dirty="0">
-              <a:solidFill>
-                <a:srgbClr val="FF0000"/>
-              </a:solidFill>
-            </a:endParaRPr>
-          </a:p>
-          <a:p>
-            <a:pPr marL="514350" indent="-514350">
-              <a:buAutoNum type="arabicParenR"/>
-            </a:pPr>
-            <a:r>
-              <a:rPr lang="en-US" sz="2800" dirty="0">
-                <a:solidFill>
-                  <a:srgbClr val="FF0000"/>
-                </a:solidFill>
-              </a:rPr>
-              <a:t>Implement AIP</a:t>
-            </a:r>
-          </a:p>
-          <a:p>
-            <a:pPr marL="514350" indent="-514350">
-              <a:buAutoNum type="arabicParenR"/>
-            </a:pPr>
-            <a:endParaRPr lang="en-US" sz="2800" dirty="0">
-              <a:solidFill>
-                <a:srgbClr val="FF0000"/>
-              </a:solidFill>
-            </a:endParaRPr>
-          </a:p>
-          <a:p>
-            <a:pPr marL="514350" indent="-514350">
-              <a:buAutoNum type="arabicParenR"/>
-            </a:pPr>
-            <a:r>
-              <a:rPr lang="en-US" sz="2800" dirty="0">
-                <a:solidFill>
-                  <a:srgbClr val="FF0000"/>
-                </a:solidFill>
-              </a:rPr>
-              <a:t>Should also try closed loop control using PPO (trained from model) on real environment?</a:t>
-            </a:r>
-          </a:p>
-        </p:txBody>
-      </p:sp>
-      <p:sp>
-        <p:nvSpPr>
-          <p:cNvPr id="6" name="Title 5">
-            <a:extLst>
-              <a:ext uri="{FF2B5EF4-FFF2-40B4-BE49-F238E27FC236}">
-                <a16:creationId xmlns:a16="http://schemas.microsoft.com/office/drawing/2014/main" id="{68A3E5C7-0211-1542-8336-E3F6313D4698}"/>
-              </a:ext>
-            </a:extLst>
-          </p:cNvPr>
-          <p:cNvSpPr>
-            <a:spLocks noGrp="1"/>
-          </p:cNvSpPr>
-          <p:nvPr>
-            <p:ph type="title"/>
-          </p:nvPr>
-        </p:nvSpPr>
-        <p:spPr>
-          <a:xfrm>
-            <a:off x="429658" y="-338889"/>
-            <a:ext cx="10515240" cy="1325160"/>
-          </a:xfrm>
-        </p:spPr>
-        <p:txBody>
-          <a:bodyPr/>
-          <a:lstStyle/>
-          <a:p>
-            <a:r>
-              <a:rPr lang="en-US" dirty="0"/>
-              <a:t>Next plans</a:t>
-            </a:r>
-          </a:p>
-        </p:txBody>
-      </p:sp>
-    </p:spTree>
-    <p:extLst>
-      <p:ext uri="{BB962C8B-B14F-4D97-AF65-F5344CB8AC3E}">
-        <p14:creationId xmlns:p14="http://schemas.microsoft.com/office/powerpoint/2010/main" val="3969442806"/>
-      </p:ext>
-    </p:extLst>
-  </p:cSld>
-  <p:clrMapOvr>
-    <a:masterClrMapping/>
-  </p:clrMapOvr>
-</p:sld>
-</file>
-
-<file path=ppt/slides/slide5.xml><?xml version="1.0" encoding="utf-8"?>
-<p:sld xmlns:a="http://schemas.openxmlformats.org/drawingml/2006/main" xmlns:r="http://schemas.openxmlformats.org/officeDocument/2006/relationships" xmlns:p="http://schemas.openxmlformats.org/presentationml/2006/main">
-  <p:cSld>
-    <p:spTree>
-      <p:nvGrpSpPr>
-        <p:cNvPr id="1" name=""/>
-        <p:cNvGrpSpPr/>
-        <p:nvPr/>
-      </p:nvGrpSpPr>
-      <p:grpSpPr>
-        <a:xfrm>
-          <a:off x="0" y="0"/>
-          <a:ext cx="0" cy="0"/>
-          <a:chOff x="0" y="0"/>
-          <a:chExt cx="0" cy="0"/>
-        </a:xfrm>
-      </p:grpSpPr>
       <p:sp>
         <p:nvSpPr>
           <p:cNvPr id="3" name="Rectangle 2">
@@ -4850,7 +4507,7 @@
 </p:sld>
 </file>
 
-<file path=ppt/slides/slide6.xml><?xml version="1.0" encoding="utf-8"?>
+<file path=ppt/slides/slide12.xml><?xml version="1.0" encoding="utf-8"?>
 <p:sld xmlns:a="http://schemas.openxmlformats.org/drawingml/2006/main" xmlns:r="http://schemas.openxmlformats.org/officeDocument/2006/relationships" xmlns:p="http://schemas.openxmlformats.org/presentationml/2006/main">
   <p:cSld>
     <p:spTree>
@@ -5981,6 +5638,2739 @@
 </p:sld>
 </file>
 
+<file path=ppt/slides/slide2.xml><?xml version="1.0" encoding="utf-8"?>
+<p:sld xmlns:a="http://schemas.openxmlformats.org/drawingml/2006/main" xmlns:r="http://schemas.openxmlformats.org/officeDocument/2006/relationships" xmlns:p="http://schemas.openxmlformats.org/presentationml/2006/main">
+  <p:cSld>
+    <p:spTree>
+      <p:nvGrpSpPr>
+        <p:cNvPr id="1" name=""/>
+        <p:cNvGrpSpPr/>
+        <p:nvPr/>
+      </p:nvGrpSpPr>
+      <p:grpSpPr>
+        <a:xfrm>
+          <a:off x="0" y="0"/>
+          <a:ext cx="0" cy="0"/>
+          <a:chOff x="0" y="0"/>
+          <a:chExt cx="0" cy="0"/>
+        </a:xfrm>
+      </p:grpSpPr>
+      <p:sp>
+        <p:nvSpPr>
+          <p:cNvPr id="3" name="Subtitle 2">
+            <a:extLst>
+              <a:ext uri="{FF2B5EF4-FFF2-40B4-BE49-F238E27FC236}">
+                <a16:creationId xmlns:a16="http://schemas.microsoft.com/office/drawing/2014/main" id="{816C2C78-2FBC-E147-A05D-30A6520F17EA}"/>
+              </a:ext>
+            </a:extLst>
+          </p:cNvPr>
+          <p:cNvSpPr>
+            <a:spLocks noGrp="1"/>
+          </p:cNvSpPr>
+          <p:nvPr>
+            <p:ph type="subTitle"/>
+          </p:nvPr>
+        </p:nvSpPr>
+        <p:spPr>
+          <a:xfrm>
+            <a:off x="23131" y="643371"/>
+            <a:ext cx="12145737" cy="3326365"/>
+          </a:xfrm>
+        </p:spPr>
+        <p:txBody>
+          <a:bodyPr/>
+          <a:lstStyle/>
+          <a:p>
+            <a:r>
+              <a:rPr lang="en-US" sz="2800" dirty="0"/>
+              <a:t>- Re-</a:t>
+            </a:r>
+            <a:r>
+              <a:rPr lang="en-US" sz="2800" dirty="0" err="1"/>
+              <a:t>implmented</a:t>
+            </a:r>
+            <a:r>
+              <a:rPr lang="en-US" sz="2800" dirty="0"/>
+              <a:t> LQR with Matrix Q=0 rather than Identity Matrix, since we want to follow the trajectory x* rather than the action u*.</a:t>
+            </a:r>
+          </a:p>
+          <a:p>
+            <a:pPr marL="457200" indent="-457200">
+              <a:buFontTx/>
+              <a:buChar char="-"/>
+            </a:pPr>
+            <a:endParaRPr lang="en-US" sz="2800" dirty="0"/>
+          </a:p>
+          <a:p>
+            <a:r>
+              <a:rPr lang="en-US" sz="2800" dirty="0"/>
+              <a:t>- Implemented (A*-based)LQR closed-loop control for Reacher (3 goal </a:t>
+            </a:r>
+            <a:r>
+              <a:rPr lang="en-US" sz="2800" dirty="0" err="1"/>
+              <a:t>locs</a:t>
+            </a:r>
+            <a:r>
+              <a:rPr lang="en-US" sz="2800" dirty="0"/>
+              <a:t>)</a:t>
+            </a:r>
+          </a:p>
+          <a:p>
+            <a:pPr marL="457200" indent="-457200">
+              <a:buFontTx/>
+              <a:buChar char="-"/>
+            </a:pPr>
+            <a:endParaRPr lang="en-US" sz="2800" dirty="0"/>
+          </a:p>
+          <a:p>
+            <a:r>
+              <a:rPr lang="en-US" sz="2800" dirty="0"/>
+              <a:t>- Calculated Matrix K for all 4 tasks</a:t>
+            </a:r>
+          </a:p>
+          <a:p>
+            <a:pPr marL="457200" indent="-457200">
+              <a:buFontTx/>
+              <a:buChar char="-"/>
+            </a:pPr>
+            <a:endParaRPr lang="en-US" sz="2800" dirty="0"/>
+          </a:p>
+          <a:p>
+            <a:endParaRPr lang="en-US" sz="2800" dirty="0"/>
+          </a:p>
+        </p:txBody>
+      </p:sp>
+      <p:sp>
+        <p:nvSpPr>
+          <p:cNvPr id="6" name="Title 5">
+            <a:extLst>
+              <a:ext uri="{FF2B5EF4-FFF2-40B4-BE49-F238E27FC236}">
+                <a16:creationId xmlns:a16="http://schemas.microsoft.com/office/drawing/2014/main" id="{68A3E5C7-0211-1542-8336-E3F6313D4698}"/>
+              </a:ext>
+            </a:extLst>
+          </p:cNvPr>
+          <p:cNvSpPr>
+            <a:spLocks noGrp="1"/>
+          </p:cNvSpPr>
+          <p:nvPr>
+            <p:ph type="title"/>
+          </p:nvPr>
+        </p:nvSpPr>
+        <p:spPr>
+          <a:xfrm>
+            <a:off x="429658" y="-338889"/>
+            <a:ext cx="10515240" cy="1325160"/>
+          </a:xfrm>
+        </p:spPr>
+        <p:txBody>
+          <a:bodyPr/>
+          <a:lstStyle/>
+          <a:p>
+            <a:r>
+              <a:rPr lang="en-US" dirty="0"/>
+              <a:t>Past week</a:t>
+            </a:r>
+          </a:p>
+        </p:txBody>
+      </p:sp>
+      <p:pic>
+        <p:nvPicPr>
+          <p:cNvPr id="4" name="Picture 3" descr="A picture containing bird&#10;&#10;Description automatically generated">
+            <a:extLst>
+              <a:ext uri="{FF2B5EF4-FFF2-40B4-BE49-F238E27FC236}">
+                <a16:creationId xmlns:a16="http://schemas.microsoft.com/office/drawing/2014/main" id="{9267805D-8D71-534F-8436-925F6CDEEE25}"/>
+              </a:ext>
+            </a:extLst>
+          </p:cNvPr>
+          <p:cNvPicPr>
+            <a:picLocks noChangeAspect="1"/>
+          </p:cNvPicPr>
+          <p:nvPr/>
+        </p:nvPicPr>
+        <p:blipFill>
+          <a:blip r:embed="rId3">
+            <a:extLst>
+              <a:ext uri="{28A0092B-C50C-407E-A947-70E740481C1C}">
+                <a14:useLocalDpi xmlns:a14="http://schemas.microsoft.com/office/drawing/2010/main" val="0"/>
+              </a:ext>
+            </a:extLst>
+          </a:blip>
+          <a:stretch>
+            <a:fillRect/>
+          </a:stretch>
+        </p:blipFill>
+        <p:spPr>
+          <a:xfrm>
+            <a:off x="1131286" y="4108915"/>
+            <a:ext cx="10515241" cy="2789758"/>
+          </a:xfrm>
+          <a:prstGeom prst="rect">
+            <a:avLst/>
+          </a:prstGeom>
+        </p:spPr>
+      </p:pic>
+    </p:spTree>
+    <p:extLst>
+      <p:ext uri="{BB962C8B-B14F-4D97-AF65-F5344CB8AC3E}">
+        <p14:creationId xmlns:p14="http://schemas.microsoft.com/office/powerpoint/2010/main" val="1801609304"/>
+      </p:ext>
+    </p:extLst>
+  </p:cSld>
+  <p:clrMapOvr>
+    <a:masterClrMapping/>
+  </p:clrMapOvr>
+</p:sld>
+</file>
+
+<file path=ppt/slides/slide3.xml><?xml version="1.0" encoding="utf-8"?>
+<p:sld xmlns:a="http://schemas.openxmlformats.org/drawingml/2006/main" xmlns:r="http://schemas.openxmlformats.org/officeDocument/2006/relationships" xmlns:p="http://schemas.openxmlformats.org/presentationml/2006/main">
+  <p:cSld>
+    <p:spTree>
+      <p:nvGrpSpPr>
+        <p:cNvPr id="1" name=""/>
+        <p:cNvGrpSpPr/>
+        <p:nvPr/>
+      </p:nvGrpSpPr>
+      <p:grpSpPr>
+        <a:xfrm>
+          <a:off x="0" y="0"/>
+          <a:ext cx="0" cy="0"/>
+          <a:chOff x="0" y="0"/>
+          <a:chExt cx="0" cy="0"/>
+        </a:xfrm>
+      </p:grpSpPr>
+      <p:sp>
+        <p:nvSpPr>
+          <p:cNvPr id="6" name="Title 5">
+            <a:extLst>
+              <a:ext uri="{FF2B5EF4-FFF2-40B4-BE49-F238E27FC236}">
+                <a16:creationId xmlns:a16="http://schemas.microsoft.com/office/drawing/2014/main" id="{68A3E5C7-0211-1542-8336-E3F6313D4698}"/>
+              </a:ext>
+            </a:extLst>
+          </p:cNvPr>
+          <p:cNvSpPr>
+            <a:spLocks noGrp="1"/>
+          </p:cNvSpPr>
+          <p:nvPr>
+            <p:ph type="title"/>
+          </p:nvPr>
+        </p:nvSpPr>
+        <p:spPr>
+          <a:xfrm>
+            <a:off x="429658" y="-338889"/>
+            <a:ext cx="10515240" cy="1325160"/>
+          </a:xfrm>
+        </p:spPr>
+        <p:txBody>
+          <a:bodyPr/>
+          <a:lstStyle/>
+          <a:p>
+            <a:r>
+              <a:rPr lang="en-US" dirty="0"/>
+              <a:t>Gazebo Hand: Goal Reach Rate</a:t>
+            </a:r>
+          </a:p>
+        </p:txBody>
+      </p:sp>
+      <p:graphicFrame>
+        <p:nvGraphicFramePr>
+          <p:cNvPr id="4" name="Table 6">
+            <a:extLst>
+              <a:ext uri="{FF2B5EF4-FFF2-40B4-BE49-F238E27FC236}">
+                <a16:creationId xmlns:a16="http://schemas.microsoft.com/office/drawing/2014/main" id="{1C02AF56-CFB1-0C44-95FE-DB46E86C7872}"/>
+              </a:ext>
+            </a:extLst>
+          </p:cNvPr>
+          <p:cNvGraphicFramePr>
+            <a:graphicFrameLocks noGrp="1"/>
+          </p:cNvGraphicFramePr>
+          <p:nvPr>
+            <p:extLst>
+              <p:ext uri="{D42A27DB-BD31-4B8C-83A1-F6EECF244321}">
+                <p14:modId xmlns:p14="http://schemas.microsoft.com/office/powerpoint/2010/main" val="3193532146"/>
+              </p:ext>
+            </p:extLst>
+          </p:nvPr>
+        </p:nvGraphicFramePr>
+        <p:xfrm>
+          <a:off x="429658" y="2614567"/>
+          <a:ext cx="10515240" cy="1970922"/>
+        </p:xfrm>
+        <a:graphic>
+          <a:graphicData uri="http://schemas.openxmlformats.org/drawingml/2006/table">
+            <a:tbl>
+              <a:tblPr firstRow="1" bandRow="1">
+                <a:tableStyleId>{5C22544A-7EE6-4342-B048-85BDC9FD1C3A}</a:tableStyleId>
+              </a:tblPr>
+              <a:tblGrid>
+                <a:gridCol w="1752540">
+                  <a:extLst>
+                    <a:ext uri="{9D8B030D-6E8A-4147-A177-3AD203B41FA5}">
+                      <a16:colId xmlns:a16="http://schemas.microsoft.com/office/drawing/2014/main" val="3807327087"/>
+                    </a:ext>
+                  </a:extLst>
+                </a:gridCol>
+                <a:gridCol w="1752540">
+                  <a:extLst>
+                    <a:ext uri="{9D8B030D-6E8A-4147-A177-3AD203B41FA5}">
+                      <a16:colId xmlns:a16="http://schemas.microsoft.com/office/drawing/2014/main" val="3932697894"/>
+                    </a:ext>
+                  </a:extLst>
+                </a:gridCol>
+                <a:gridCol w="1752540">
+                  <a:extLst>
+                    <a:ext uri="{9D8B030D-6E8A-4147-A177-3AD203B41FA5}">
+                      <a16:colId xmlns:a16="http://schemas.microsoft.com/office/drawing/2014/main" val="3898039568"/>
+                    </a:ext>
+                  </a:extLst>
+                </a:gridCol>
+                <a:gridCol w="1752540">
+                  <a:extLst>
+                    <a:ext uri="{9D8B030D-6E8A-4147-A177-3AD203B41FA5}">
+                      <a16:colId xmlns:a16="http://schemas.microsoft.com/office/drawing/2014/main" val="3989877140"/>
+                    </a:ext>
+                  </a:extLst>
+                </a:gridCol>
+                <a:gridCol w="1752540">
+                  <a:extLst>
+                    <a:ext uri="{9D8B030D-6E8A-4147-A177-3AD203B41FA5}">
+                      <a16:colId xmlns:a16="http://schemas.microsoft.com/office/drawing/2014/main" val="2101962001"/>
+                    </a:ext>
+                  </a:extLst>
+                </a:gridCol>
+                <a:gridCol w="1752540">
+                  <a:extLst>
+                    <a:ext uri="{9D8B030D-6E8A-4147-A177-3AD203B41FA5}">
+                      <a16:colId xmlns:a16="http://schemas.microsoft.com/office/drawing/2014/main" val="641356516"/>
+                    </a:ext>
+                  </a:extLst>
+                </a:gridCol>
+              </a:tblGrid>
+              <a:tr h="448122">
+                <a:tc>
+                  <a:txBody>
+                    <a:bodyPr/>
+                    <a:lstStyle/>
+                    <a:p>
+                      <a:pPr algn="ctr"/>
+                      <a:r>
+                        <a:rPr lang="en-US" dirty="0"/>
+                        <a:t>Goal Location</a:t>
+                      </a:r>
+                    </a:p>
+                  </a:txBody>
+                  <a:tcPr/>
+                </a:tc>
+                <a:tc>
+                  <a:txBody>
+                    <a:bodyPr/>
+                    <a:lstStyle/>
+                    <a:p>
+                      <a:pPr algn="ctr"/>
+                      <a:r>
+                        <a:rPr lang="en-US" dirty="0"/>
+                        <a:t>0</a:t>
+                      </a:r>
+                    </a:p>
+                  </a:txBody>
+                  <a:tcPr/>
+                </a:tc>
+                <a:tc>
+                  <a:txBody>
+                    <a:bodyPr/>
+                    <a:lstStyle/>
+                    <a:p>
+                      <a:pPr algn="ctr"/>
+                      <a:r>
+                        <a:rPr lang="en-US" dirty="0"/>
+                        <a:t>2</a:t>
+                      </a:r>
+                    </a:p>
+                  </a:txBody>
+                  <a:tcPr/>
+                </a:tc>
+                <a:tc>
+                  <a:txBody>
+                    <a:bodyPr/>
+                    <a:lstStyle/>
+                    <a:p>
+                      <a:pPr algn="ctr"/>
+                      <a:r>
+                        <a:rPr lang="en-US" dirty="0"/>
+                        <a:t>7</a:t>
+                      </a:r>
+                    </a:p>
+                  </a:txBody>
+                  <a:tcPr/>
+                </a:tc>
+                <a:tc>
+                  <a:txBody>
+                    <a:bodyPr/>
+                    <a:lstStyle/>
+                    <a:p>
+                      <a:pPr algn="ctr"/>
+                      <a:r>
+                        <a:rPr lang="en-US" dirty="0"/>
+                        <a:t>8</a:t>
+                      </a:r>
+                    </a:p>
+                  </a:txBody>
+                  <a:tcPr/>
+                </a:tc>
+                <a:tc>
+                  <a:txBody>
+                    <a:bodyPr/>
+                    <a:lstStyle/>
+                    <a:p>
+                      <a:pPr algn="ctr"/>
+                      <a:r>
+                        <a:rPr lang="en-US" dirty="0"/>
+                        <a:t>15</a:t>
+                      </a:r>
+                    </a:p>
+                  </a:txBody>
+                  <a:tcPr/>
+                </a:tc>
+                <a:extLst>
+                  <a:ext uri="{0D108BD9-81ED-4DB2-BD59-A6C34878D82A}">
+                    <a16:rowId xmlns:a16="http://schemas.microsoft.com/office/drawing/2014/main" val="842836048"/>
+                  </a:ext>
+                </a:extLst>
+              </a:tr>
+              <a:tr h="507600">
+                <a:tc>
+                  <a:txBody>
+                    <a:bodyPr/>
+                    <a:lstStyle/>
+                    <a:p>
+                      <a:pPr algn="ctr"/>
+                      <a:r>
+                        <a:rPr lang="en-US" dirty="0"/>
+                        <a:t>A*</a:t>
+                      </a:r>
+                    </a:p>
+                  </a:txBody>
+                  <a:tcPr/>
+                </a:tc>
+                <a:tc>
+                  <a:txBody>
+                    <a:bodyPr/>
+                    <a:lstStyle/>
+                    <a:p>
+                      <a:pPr algn="ctr"/>
+                      <a:r>
+                        <a:rPr lang="en-US" dirty="0"/>
+                        <a:t>0%</a:t>
+                      </a:r>
+                    </a:p>
+                  </a:txBody>
+                  <a:tcPr/>
+                </a:tc>
+                <a:tc>
+                  <a:txBody>
+                    <a:bodyPr/>
+                    <a:lstStyle/>
+                    <a:p>
+                      <a:pPr algn="ctr"/>
+                      <a:r>
+                        <a:rPr lang="en-US" dirty="0"/>
+                        <a:t>100%</a:t>
+                      </a:r>
+                    </a:p>
+                  </a:txBody>
+                  <a:tcPr/>
+                </a:tc>
+                <a:tc>
+                  <a:txBody>
+                    <a:bodyPr/>
+                    <a:lstStyle/>
+                    <a:p>
+                      <a:pPr algn="ctr"/>
+                      <a:r>
+                        <a:rPr lang="en-US" dirty="0"/>
+                        <a:t>100%</a:t>
+                      </a:r>
+                    </a:p>
+                  </a:txBody>
+                  <a:tcPr/>
+                </a:tc>
+                <a:tc>
+                  <a:txBody>
+                    <a:bodyPr/>
+                    <a:lstStyle/>
+                    <a:p>
+                      <a:pPr algn="ctr"/>
+                      <a:r>
+                        <a:rPr lang="en-US" dirty="0"/>
+                        <a:t>0%</a:t>
+                      </a:r>
+                    </a:p>
+                  </a:txBody>
+                  <a:tcPr/>
+                </a:tc>
+                <a:tc>
+                  <a:txBody>
+                    <a:bodyPr/>
+                    <a:lstStyle/>
+                    <a:p>
+                      <a:pPr algn="ctr"/>
+                      <a:r>
+                        <a:rPr lang="en-US" dirty="0"/>
+                        <a:t>0%</a:t>
+                      </a:r>
+                    </a:p>
+                  </a:txBody>
+                  <a:tcPr/>
+                </a:tc>
+                <a:extLst>
+                  <a:ext uri="{0D108BD9-81ED-4DB2-BD59-A6C34878D82A}">
+                    <a16:rowId xmlns:a16="http://schemas.microsoft.com/office/drawing/2014/main" val="1043789498"/>
+                  </a:ext>
+                </a:extLst>
+              </a:tr>
+              <a:tr h="507600">
+                <a:tc>
+                  <a:txBody>
+                    <a:bodyPr/>
+                    <a:lstStyle/>
+                    <a:p>
+                      <a:pPr algn="ctr"/>
+                      <a:r>
+                        <a:rPr lang="en-US" dirty="0"/>
+                        <a:t>LQR(Q=E)</a:t>
+                      </a:r>
+                    </a:p>
+                  </a:txBody>
+                  <a:tcPr/>
+                </a:tc>
+                <a:tc>
+                  <a:txBody>
+                    <a:bodyPr/>
+                    <a:lstStyle/>
+                    <a:p>
+                      <a:pPr algn="ctr"/>
+                      <a:r>
+                        <a:rPr lang="en-US" dirty="0"/>
+                        <a:t>0%</a:t>
+                      </a:r>
+                    </a:p>
+                  </a:txBody>
+                  <a:tcPr/>
+                </a:tc>
+                <a:tc>
+                  <a:txBody>
+                    <a:bodyPr/>
+                    <a:lstStyle/>
+                    <a:p>
+                      <a:pPr algn="ctr"/>
+                      <a:r>
+                        <a:rPr lang="en-US" dirty="0"/>
+                        <a:t>100%</a:t>
+                      </a:r>
+                    </a:p>
+                  </a:txBody>
+                  <a:tcPr/>
+                </a:tc>
+                <a:tc>
+                  <a:txBody>
+                    <a:bodyPr/>
+                    <a:lstStyle/>
+                    <a:p>
+                      <a:pPr algn="ctr"/>
+                      <a:r>
+                        <a:rPr lang="en-US" dirty="0"/>
+                        <a:t>100%</a:t>
+                      </a:r>
+                    </a:p>
+                  </a:txBody>
+                  <a:tcPr/>
+                </a:tc>
+                <a:tc>
+                  <a:txBody>
+                    <a:bodyPr/>
+                    <a:lstStyle/>
+                    <a:p>
+                      <a:pPr algn="ctr"/>
+                      <a:r>
+                        <a:rPr lang="en-US" dirty="0"/>
+                        <a:t>100%</a:t>
+                      </a:r>
+                    </a:p>
+                  </a:txBody>
+                  <a:tcPr/>
+                </a:tc>
+                <a:tc>
+                  <a:txBody>
+                    <a:bodyPr/>
+                    <a:lstStyle/>
+                    <a:p>
+                      <a:pPr algn="ctr"/>
+                      <a:r>
+                        <a:rPr lang="en-US" dirty="0"/>
+                        <a:t>100%</a:t>
+                      </a:r>
+                    </a:p>
+                  </a:txBody>
+                  <a:tcPr/>
+                </a:tc>
+                <a:extLst>
+                  <a:ext uri="{0D108BD9-81ED-4DB2-BD59-A6C34878D82A}">
+                    <a16:rowId xmlns:a16="http://schemas.microsoft.com/office/drawing/2014/main" val="4140506219"/>
+                  </a:ext>
+                </a:extLst>
+              </a:tr>
+              <a:tr h="507600">
+                <a:tc>
+                  <a:txBody>
+                    <a:bodyPr/>
+                    <a:lstStyle/>
+                    <a:p>
+                      <a:pPr algn="ctr"/>
+                      <a:r>
+                        <a:rPr lang="en-US" dirty="0"/>
+                        <a:t>LQR(Q=0)</a:t>
+                      </a:r>
+                    </a:p>
+                  </a:txBody>
+                  <a:tcPr/>
+                </a:tc>
+                <a:tc>
+                  <a:txBody>
+                    <a:bodyPr/>
+                    <a:lstStyle/>
+                    <a:p>
+                      <a:pPr algn="ctr"/>
+                      <a:r>
+                        <a:rPr lang="en-US" dirty="0"/>
+                        <a:t>100%</a:t>
+                      </a:r>
+                    </a:p>
+                  </a:txBody>
+                  <a:tcPr/>
+                </a:tc>
+                <a:tc>
+                  <a:txBody>
+                    <a:bodyPr/>
+                    <a:lstStyle/>
+                    <a:p>
+                      <a:pPr algn="ctr"/>
+                      <a:r>
+                        <a:rPr lang="en-US" dirty="0"/>
+                        <a:t>100%</a:t>
+                      </a:r>
+                    </a:p>
+                  </a:txBody>
+                  <a:tcPr/>
+                </a:tc>
+                <a:tc>
+                  <a:txBody>
+                    <a:bodyPr/>
+                    <a:lstStyle/>
+                    <a:p>
+                      <a:pPr algn="ctr"/>
+                      <a:r>
+                        <a:rPr lang="en-US" dirty="0"/>
+                        <a:t>100%</a:t>
+                      </a:r>
+                    </a:p>
+                  </a:txBody>
+                  <a:tcPr/>
+                </a:tc>
+                <a:tc>
+                  <a:txBody>
+                    <a:bodyPr/>
+                    <a:lstStyle/>
+                    <a:p>
+                      <a:pPr algn="ctr"/>
+                      <a:r>
+                        <a:rPr lang="en-US" dirty="0"/>
+                        <a:t>100%</a:t>
+                      </a:r>
+                    </a:p>
+                  </a:txBody>
+                  <a:tcPr/>
+                </a:tc>
+                <a:tc>
+                  <a:txBody>
+                    <a:bodyPr/>
+                    <a:lstStyle/>
+                    <a:p>
+                      <a:pPr algn="ctr"/>
+                      <a:r>
+                        <a:rPr lang="en-US" dirty="0"/>
+                        <a:t>100%</a:t>
+                      </a:r>
+                    </a:p>
+                  </a:txBody>
+                  <a:tcPr/>
+                </a:tc>
+                <a:extLst>
+                  <a:ext uri="{0D108BD9-81ED-4DB2-BD59-A6C34878D82A}">
+                    <a16:rowId xmlns:a16="http://schemas.microsoft.com/office/drawing/2014/main" val="106132814"/>
+                  </a:ext>
+                </a:extLst>
+              </a:tr>
+            </a:tbl>
+          </a:graphicData>
+        </a:graphic>
+      </p:graphicFrame>
+    </p:spTree>
+    <p:extLst>
+      <p:ext uri="{BB962C8B-B14F-4D97-AF65-F5344CB8AC3E}">
+        <p14:creationId xmlns:p14="http://schemas.microsoft.com/office/powerpoint/2010/main" val="837433287"/>
+      </p:ext>
+    </p:extLst>
+  </p:cSld>
+  <p:clrMapOvr>
+    <a:masterClrMapping/>
+  </p:clrMapOvr>
+</p:sld>
+</file>
+
+<file path=ppt/slides/slide4.xml><?xml version="1.0" encoding="utf-8"?>
+<p:sld xmlns:a="http://schemas.openxmlformats.org/drawingml/2006/main" xmlns:r="http://schemas.openxmlformats.org/officeDocument/2006/relationships" xmlns:p="http://schemas.openxmlformats.org/presentationml/2006/main">
+  <p:cSld>
+    <p:spTree>
+      <p:nvGrpSpPr>
+        <p:cNvPr id="1" name=""/>
+        <p:cNvGrpSpPr/>
+        <p:nvPr/>
+      </p:nvGrpSpPr>
+      <p:grpSpPr>
+        <a:xfrm>
+          <a:off x="0" y="0"/>
+          <a:ext cx="0" cy="0"/>
+          <a:chOff x="0" y="0"/>
+          <a:chExt cx="0" cy="0"/>
+        </a:xfrm>
+      </p:grpSpPr>
+      <p:sp>
+        <p:nvSpPr>
+          <p:cNvPr id="7" name="TextBox 6">
+            <a:extLst>
+              <a:ext uri="{FF2B5EF4-FFF2-40B4-BE49-F238E27FC236}">
+                <a16:creationId xmlns:a16="http://schemas.microsoft.com/office/drawing/2014/main" id="{B4BEE206-30E2-0448-9871-553A24A7D609}"/>
+              </a:ext>
+            </a:extLst>
+          </p:cNvPr>
+          <p:cNvSpPr txBox="1"/>
+          <p:nvPr/>
+        </p:nvSpPr>
+        <p:spPr>
+          <a:xfrm>
+            <a:off x="6096000" y="2873930"/>
+            <a:ext cx="945931" cy="369332"/>
+          </a:xfrm>
+          <a:prstGeom prst="rect">
+            <a:avLst/>
+          </a:prstGeom>
+          <a:noFill/>
+        </p:spPr>
+        <p:txBody>
+          <a:bodyPr wrap="square" rtlCol="0">
+            <a:spAutoFit/>
+          </a:bodyPr>
+          <a:lstStyle/>
+          <a:p>
+            <a:r>
+              <a:rPr lang="en-US" dirty="0"/>
+              <a:t>A*</a:t>
+            </a:r>
+          </a:p>
+        </p:txBody>
+      </p:sp>
+      <p:sp>
+        <p:nvSpPr>
+          <p:cNvPr id="8" name="TextBox 7">
+            <a:extLst>
+              <a:ext uri="{FF2B5EF4-FFF2-40B4-BE49-F238E27FC236}">
+                <a16:creationId xmlns:a16="http://schemas.microsoft.com/office/drawing/2014/main" id="{B81A8478-A73F-B74B-987A-27F7F32E2F86}"/>
+              </a:ext>
+            </a:extLst>
+          </p:cNvPr>
+          <p:cNvSpPr txBox="1"/>
+          <p:nvPr/>
+        </p:nvSpPr>
+        <p:spPr>
+          <a:xfrm>
+            <a:off x="2101149" y="6488668"/>
+            <a:ext cx="1906688" cy="369332"/>
+          </a:xfrm>
+          <a:prstGeom prst="rect">
+            <a:avLst/>
+          </a:prstGeom>
+          <a:noFill/>
+        </p:spPr>
+        <p:txBody>
+          <a:bodyPr wrap="square" rtlCol="0">
+            <a:spAutoFit/>
+          </a:bodyPr>
+          <a:lstStyle/>
+          <a:p>
+            <a:r>
+              <a:rPr lang="en-US" dirty="0"/>
+              <a:t>LQR (Q=E)</a:t>
+            </a:r>
+          </a:p>
+        </p:txBody>
+      </p:sp>
+      <p:pic>
+        <p:nvPicPr>
+          <p:cNvPr id="9" name="Picture 8" descr="A screenshot of a cell phone&#10;&#10;Description automatically generated">
+            <a:extLst>
+              <a:ext uri="{FF2B5EF4-FFF2-40B4-BE49-F238E27FC236}">
+                <a16:creationId xmlns:a16="http://schemas.microsoft.com/office/drawing/2014/main" id="{F0077A46-3BEA-3F4D-8E4E-02B01CA67AF1}"/>
+              </a:ext>
+            </a:extLst>
+          </p:cNvPr>
+          <p:cNvPicPr>
+            <a:picLocks noChangeAspect="1"/>
+          </p:cNvPicPr>
+          <p:nvPr/>
+        </p:nvPicPr>
+        <p:blipFill>
+          <a:blip r:embed="rId3">
+            <a:extLst>
+              <a:ext uri="{28A0092B-C50C-407E-A947-70E740481C1C}">
+                <a14:useLocalDpi xmlns:a14="http://schemas.microsoft.com/office/drawing/2010/main" val="0"/>
+              </a:ext>
+            </a:extLst>
+          </a:blip>
+          <a:stretch>
+            <a:fillRect/>
+          </a:stretch>
+        </p:blipFill>
+        <p:spPr>
+          <a:xfrm>
+            <a:off x="3054493" y="0"/>
+            <a:ext cx="6270171" cy="2743200"/>
+          </a:xfrm>
+          <a:prstGeom prst="rect">
+            <a:avLst/>
+          </a:prstGeom>
+        </p:spPr>
+      </p:pic>
+      <p:sp>
+        <p:nvSpPr>
+          <p:cNvPr id="10" name="TextBox 9">
+            <a:extLst>
+              <a:ext uri="{FF2B5EF4-FFF2-40B4-BE49-F238E27FC236}">
+                <a16:creationId xmlns:a16="http://schemas.microsoft.com/office/drawing/2014/main" id="{2B25A25A-3246-1849-8029-660758AA6B95}"/>
+              </a:ext>
+            </a:extLst>
+          </p:cNvPr>
+          <p:cNvSpPr txBox="1"/>
+          <p:nvPr/>
+        </p:nvSpPr>
+        <p:spPr>
+          <a:xfrm>
+            <a:off x="8717659" y="6488668"/>
+            <a:ext cx="1906688" cy="369332"/>
+          </a:xfrm>
+          <a:prstGeom prst="rect">
+            <a:avLst/>
+          </a:prstGeom>
+          <a:noFill/>
+        </p:spPr>
+        <p:txBody>
+          <a:bodyPr wrap="square" rtlCol="0">
+            <a:spAutoFit/>
+          </a:bodyPr>
+          <a:lstStyle/>
+          <a:p>
+            <a:r>
+              <a:rPr lang="en-US" dirty="0"/>
+              <a:t>LQR (Q=0)</a:t>
+            </a:r>
+          </a:p>
+        </p:txBody>
+      </p:sp>
+      <p:sp>
+        <p:nvSpPr>
+          <p:cNvPr id="11" name="TextBox 10">
+            <a:extLst>
+              <a:ext uri="{FF2B5EF4-FFF2-40B4-BE49-F238E27FC236}">
+                <a16:creationId xmlns:a16="http://schemas.microsoft.com/office/drawing/2014/main" id="{72510783-F084-E244-AD62-852310AC7D63}"/>
+              </a:ext>
+            </a:extLst>
+          </p:cNvPr>
+          <p:cNvSpPr txBox="1"/>
+          <p:nvPr/>
+        </p:nvSpPr>
+        <p:spPr>
+          <a:xfrm>
+            <a:off x="9033265" y="1599549"/>
+            <a:ext cx="3158735" cy="523220"/>
+          </a:xfrm>
+          <a:prstGeom prst="rect">
+            <a:avLst/>
+          </a:prstGeom>
+          <a:noFill/>
+        </p:spPr>
+        <p:txBody>
+          <a:bodyPr wrap="square" rtlCol="0">
+            <a:spAutoFit/>
+          </a:bodyPr>
+          <a:lstStyle/>
+          <a:p>
+            <a:r>
+              <a:rPr lang="en-US" sz="2800" dirty="0"/>
+              <a:t>Goal Location 15</a:t>
+            </a:r>
+          </a:p>
+        </p:txBody>
+      </p:sp>
+      <p:pic>
+        <p:nvPicPr>
+          <p:cNvPr id="12" name="Picture 11" descr="A close up of a map&#10;&#10;Description automatically generated">
+            <a:extLst>
+              <a:ext uri="{FF2B5EF4-FFF2-40B4-BE49-F238E27FC236}">
+                <a16:creationId xmlns:a16="http://schemas.microsoft.com/office/drawing/2014/main" id="{5358A349-5FEC-E840-9FD9-A2D9231544CC}"/>
+              </a:ext>
+            </a:extLst>
+          </p:cNvPr>
+          <p:cNvPicPr>
+            <a:picLocks noChangeAspect="1"/>
+          </p:cNvPicPr>
+          <p:nvPr/>
+        </p:nvPicPr>
+        <p:blipFill>
+          <a:blip r:embed="rId4">
+            <a:extLst>
+              <a:ext uri="{28A0092B-C50C-407E-A947-70E740481C1C}">
+                <a14:useLocalDpi xmlns:a14="http://schemas.microsoft.com/office/drawing/2010/main" val="0"/>
+              </a:ext>
+            </a:extLst>
+          </a:blip>
+          <a:stretch>
+            <a:fillRect/>
+          </a:stretch>
+        </p:blipFill>
+        <p:spPr>
+          <a:xfrm>
+            <a:off x="0" y="3373992"/>
+            <a:ext cx="6270171" cy="2743200"/>
+          </a:xfrm>
+          <a:prstGeom prst="rect">
+            <a:avLst/>
+          </a:prstGeom>
+        </p:spPr>
+      </p:pic>
+      <p:pic>
+        <p:nvPicPr>
+          <p:cNvPr id="13" name="Picture 12" descr="A close up of a map&#10;&#10;Description automatically generated">
+            <a:extLst>
+              <a:ext uri="{FF2B5EF4-FFF2-40B4-BE49-F238E27FC236}">
+                <a16:creationId xmlns:a16="http://schemas.microsoft.com/office/drawing/2014/main" id="{4DA33696-3786-FC42-9B23-7E56F0A829B6}"/>
+              </a:ext>
+            </a:extLst>
+          </p:cNvPr>
+          <p:cNvPicPr>
+            <a:picLocks noChangeAspect="1"/>
+          </p:cNvPicPr>
+          <p:nvPr/>
+        </p:nvPicPr>
+        <p:blipFill>
+          <a:blip r:embed="rId5">
+            <a:extLst>
+              <a:ext uri="{28A0092B-C50C-407E-A947-70E740481C1C}">
+                <a14:useLocalDpi xmlns:a14="http://schemas.microsoft.com/office/drawing/2010/main" val="0"/>
+              </a:ext>
+            </a:extLst>
+          </a:blip>
+          <a:stretch>
+            <a:fillRect/>
+          </a:stretch>
+        </p:blipFill>
+        <p:spPr>
+          <a:xfrm>
+            <a:off x="5898179" y="3376134"/>
+            <a:ext cx="6270171" cy="2743200"/>
+          </a:xfrm>
+          <a:prstGeom prst="rect">
+            <a:avLst/>
+          </a:prstGeom>
+        </p:spPr>
+      </p:pic>
+    </p:spTree>
+    <p:extLst>
+      <p:ext uri="{BB962C8B-B14F-4D97-AF65-F5344CB8AC3E}">
+        <p14:creationId xmlns:p14="http://schemas.microsoft.com/office/powerpoint/2010/main" val="820702151"/>
+      </p:ext>
+    </p:extLst>
+  </p:cSld>
+  <p:clrMapOvr>
+    <a:masterClrMapping/>
+  </p:clrMapOvr>
+</p:sld>
+</file>
+
+<file path=ppt/slides/slide5.xml><?xml version="1.0" encoding="utf-8"?>
+<p:sld xmlns:a="http://schemas.openxmlformats.org/drawingml/2006/main" xmlns:r="http://schemas.openxmlformats.org/officeDocument/2006/relationships" xmlns:p="http://schemas.openxmlformats.org/presentationml/2006/main">
+  <p:cSld>
+    <p:spTree>
+      <p:nvGrpSpPr>
+        <p:cNvPr id="1" name=""/>
+        <p:cNvGrpSpPr/>
+        <p:nvPr/>
+      </p:nvGrpSpPr>
+      <p:grpSpPr>
+        <a:xfrm>
+          <a:off x="0" y="0"/>
+          <a:ext cx="0" cy="0"/>
+          <a:chOff x="0" y="0"/>
+          <a:chExt cx="0" cy="0"/>
+        </a:xfrm>
+      </p:grpSpPr>
+      <p:sp>
+        <p:nvSpPr>
+          <p:cNvPr id="7" name="TextBox 6">
+            <a:extLst>
+              <a:ext uri="{FF2B5EF4-FFF2-40B4-BE49-F238E27FC236}">
+                <a16:creationId xmlns:a16="http://schemas.microsoft.com/office/drawing/2014/main" id="{B4BEE206-30E2-0448-9871-553A24A7D609}"/>
+              </a:ext>
+            </a:extLst>
+          </p:cNvPr>
+          <p:cNvSpPr txBox="1"/>
+          <p:nvPr/>
+        </p:nvSpPr>
+        <p:spPr>
+          <a:xfrm>
+            <a:off x="6096000" y="2873930"/>
+            <a:ext cx="945931" cy="369332"/>
+          </a:xfrm>
+          <a:prstGeom prst="rect">
+            <a:avLst/>
+          </a:prstGeom>
+          <a:noFill/>
+        </p:spPr>
+        <p:txBody>
+          <a:bodyPr wrap="square" rtlCol="0">
+            <a:spAutoFit/>
+          </a:bodyPr>
+          <a:lstStyle/>
+          <a:p>
+            <a:r>
+              <a:rPr lang="en-US" dirty="0"/>
+              <a:t>A*</a:t>
+            </a:r>
+          </a:p>
+        </p:txBody>
+      </p:sp>
+      <p:sp>
+        <p:nvSpPr>
+          <p:cNvPr id="8" name="TextBox 7">
+            <a:extLst>
+              <a:ext uri="{FF2B5EF4-FFF2-40B4-BE49-F238E27FC236}">
+                <a16:creationId xmlns:a16="http://schemas.microsoft.com/office/drawing/2014/main" id="{B81A8478-A73F-B74B-987A-27F7F32E2F86}"/>
+              </a:ext>
+            </a:extLst>
+          </p:cNvPr>
+          <p:cNvSpPr txBox="1"/>
+          <p:nvPr/>
+        </p:nvSpPr>
+        <p:spPr>
+          <a:xfrm>
+            <a:off x="2101149" y="6488668"/>
+            <a:ext cx="1906688" cy="369332"/>
+          </a:xfrm>
+          <a:prstGeom prst="rect">
+            <a:avLst/>
+          </a:prstGeom>
+          <a:noFill/>
+        </p:spPr>
+        <p:txBody>
+          <a:bodyPr wrap="square" rtlCol="0">
+            <a:spAutoFit/>
+          </a:bodyPr>
+          <a:lstStyle/>
+          <a:p>
+            <a:r>
+              <a:rPr lang="en-US" dirty="0"/>
+              <a:t>LQR (Q=E)</a:t>
+            </a:r>
+          </a:p>
+        </p:txBody>
+      </p:sp>
+      <p:sp>
+        <p:nvSpPr>
+          <p:cNvPr id="10" name="TextBox 9">
+            <a:extLst>
+              <a:ext uri="{FF2B5EF4-FFF2-40B4-BE49-F238E27FC236}">
+                <a16:creationId xmlns:a16="http://schemas.microsoft.com/office/drawing/2014/main" id="{2B25A25A-3246-1849-8029-660758AA6B95}"/>
+              </a:ext>
+            </a:extLst>
+          </p:cNvPr>
+          <p:cNvSpPr txBox="1"/>
+          <p:nvPr/>
+        </p:nvSpPr>
+        <p:spPr>
+          <a:xfrm>
+            <a:off x="8717659" y="6488668"/>
+            <a:ext cx="1906688" cy="369332"/>
+          </a:xfrm>
+          <a:prstGeom prst="rect">
+            <a:avLst/>
+          </a:prstGeom>
+          <a:noFill/>
+        </p:spPr>
+        <p:txBody>
+          <a:bodyPr wrap="square" rtlCol="0">
+            <a:spAutoFit/>
+          </a:bodyPr>
+          <a:lstStyle/>
+          <a:p>
+            <a:r>
+              <a:rPr lang="en-US" dirty="0"/>
+              <a:t>LQR (Q=0)</a:t>
+            </a:r>
+          </a:p>
+        </p:txBody>
+      </p:sp>
+      <p:sp>
+        <p:nvSpPr>
+          <p:cNvPr id="11" name="TextBox 10">
+            <a:extLst>
+              <a:ext uri="{FF2B5EF4-FFF2-40B4-BE49-F238E27FC236}">
+                <a16:creationId xmlns:a16="http://schemas.microsoft.com/office/drawing/2014/main" id="{72510783-F084-E244-AD62-852310AC7D63}"/>
+              </a:ext>
+            </a:extLst>
+          </p:cNvPr>
+          <p:cNvSpPr txBox="1"/>
+          <p:nvPr/>
+        </p:nvSpPr>
+        <p:spPr>
+          <a:xfrm>
+            <a:off x="9033265" y="1599549"/>
+            <a:ext cx="3158735" cy="523220"/>
+          </a:xfrm>
+          <a:prstGeom prst="rect">
+            <a:avLst/>
+          </a:prstGeom>
+          <a:noFill/>
+        </p:spPr>
+        <p:txBody>
+          <a:bodyPr wrap="square" rtlCol="0">
+            <a:spAutoFit/>
+          </a:bodyPr>
+          <a:lstStyle/>
+          <a:p>
+            <a:r>
+              <a:rPr lang="en-US" sz="2800" dirty="0"/>
+              <a:t>Goal Location 8</a:t>
+            </a:r>
+          </a:p>
+        </p:txBody>
+      </p:sp>
+      <p:pic>
+        <p:nvPicPr>
+          <p:cNvPr id="14" name="Picture 13" descr="A close up of a map&#10;&#10;Description automatically generated">
+            <a:extLst>
+              <a:ext uri="{FF2B5EF4-FFF2-40B4-BE49-F238E27FC236}">
+                <a16:creationId xmlns:a16="http://schemas.microsoft.com/office/drawing/2014/main" id="{5A458784-02F0-7643-9C6C-30581711A667}"/>
+              </a:ext>
+            </a:extLst>
+          </p:cNvPr>
+          <p:cNvPicPr>
+            <a:picLocks noChangeAspect="1"/>
+          </p:cNvPicPr>
+          <p:nvPr/>
+        </p:nvPicPr>
+        <p:blipFill>
+          <a:blip r:embed="rId3">
+            <a:extLst>
+              <a:ext uri="{28A0092B-C50C-407E-A947-70E740481C1C}">
+                <a14:useLocalDpi xmlns:a14="http://schemas.microsoft.com/office/drawing/2010/main" val="0"/>
+              </a:ext>
+            </a:extLst>
+          </a:blip>
+          <a:stretch>
+            <a:fillRect/>
+          </a:stretch>
+        </p:blipFill>
+        <p:spPr>
+          <a:xfrm>
+            <a:off x="2763094" y="32685"/>
+            <a:ext cx="6270171" cy="2743200"/>
+          </a:xfrm>
+          <a:prstGeom prst="rect">
+            <a:avLst/>
+          </a:prstGeom>
+        </p:spPr>
+      </p:pic>
+      <p:pic>
+        <p:nvPicPr>
+          <p:cNvPr id="15" name="Picture 14" descr="A close up of a map&#10;&#10;Description automatically generated">
+            <a:extLst>
+              <a:ext uri="{FF2B5EF4-FFF2-40B4-BE49-F238E27FC236}">
+                <a16:creationId xmlns:a16="http://schemas.microsoft.com/office/drawing/2014/main" id="{D26C8385-4251-B944-AD43-74C2A2BBFE40}"/>
+              </a:ext>
+            </a:extLst>
+          </p:cNvPr>
+          <p:cNvPicPr>
+            <a:picLocks noChangeAspect="1"/>
+          </p:cNvPicPr>
+          <p:nvPr/>
+        </p:nvPicPr>
+        <p:blipFill>
+          <a:blip r:embed="rId4">
+            <a:extLst>
+              <a:ext uri="{28A0092B-C50C-407E-A947-70E740481C1C}">
+                <a14:useLocalDpi xmlns:a14="http://schemas.microsoft.com/office/drawing/2010/main" val="0"/>
+              </a:ext>
+            </a:extLst>
+          </a:blip>
+          <a:stretch>
+            <a:fillRect/>
+          </a:stretch>
+        </p:blipFill>
+        <p:spPr>
+          <a:xfrm>
+            <a:off x="23650" y="3376134"/>
+            <a:ext cx="6270171" cy="2743200"/>
+          </a:xfrm>
+          <a:prstGeom prst="rect">
+            <a:avLst/>
+          </a:prstGeom>
+        </p:spPr>
+      </p:pic>
+      <p:pic>
+        <p:nvPicPr>
+          <p:cNvPr id="3" name="Picture 2" descr="A close up of a map&#10;&#10;Description automatically generated">
+            <a:extLst>
+              <a:ext uri="{FF2B5EF4-FFF2-40B4-BE49-F238E27FC236}">
+                <a16:creationId xmlns:a16="http://schemas.microsoft.com/office/drawing/2014/main" id="{428C0732-DAA2-5C47-B84A-79E24CADD195}"/>
+              </a:ext>
+            </a:extLst>
+          </p:cNvPr>
+          <p:cNvPicPr>
+            <a:picLocks noChangeAspect="1"/>
+          </p:cNvPicPr>
+          <p:nvPr/>
+        </p:nvPicPr>
+        <p:blipFill>
+          <a:blip r:embed="rId5">
+            <a:extLst>
+              <a:ext uri="{28A0092B-C50C-407E-A947-70E740481C1C}">
+                <a14:useLocalDpi xmlns:a14="http://schemas.microsoft.com/office/drawing/2010/main" val="0"/>
+              </a:ext>
+            </a:extLst>
+          </a:blip>
+          <a:stretch>
+            <a:fillRect/>
+          </a:stretch>
+        </p:blipFill>
+        <p:spPr>
+          <a:xfrm>
+            <a:off x="5921829" y="3429000"/>
+            <a:ext cx="6270171" cy="2743200"/>
+          </a:xfrm>
+          <a:prstGeom prst="rect">
+            <a:avLst/>
+          </a:prstGeom>
+        </p:spPr>
+      </p:pic>
+    </p:spTree>
+    <p:extLst>
+      <p:ext uri="{BB962C8B-B14F-4D97-AF65-F5344CB8AC3E}">
+        <p14:creationId xmlns:p14="http://schemas.microsoft.com/office/powerpoint/2010/main" val="2051444741"/>
+      </p:ext>
+    </p:extLst>
+  </p:cSld>
+  <p:clrMapOvr>
+    <a:masterClrMapping/>
+  </p:clrMapOvr>
+</p:sld>
+</file>
+
+<file path=ppt/slides/slide6.xml><?xml version="1.0" encoding="utf-8"?>
+<p:sld xmlns:a="http://schemas.openxmlformats.org/drawingml/2006/main" xmlns:r="http://schemas.openxmlformats.org/officeDocument/2006/relationships" xmlns:p="http://schemas.openxmlformats.org/presentationml/2006/main">
+  <p:cSld>
+    <p:spTree>
+      <p:nvGrpSpPr>
+        <p:cNvPr id="1" name=""/>
+        <p:cNvGrpSpPr/>
+        <p:nvPr/>
+      </p:nvGrpSpPr>
+      <p:grpSpPr>
+        <a:xfrm>
+          <a:off x="0" y="0"/>
+          <a:ext cx="0" cy="0"/>
+          <a:chOff x="0" y="0"/>
+          <a:chExt cx="0" cy="0"/>
+        </a:xfrm>
+      </p:grpSpPr>
+      <p:sp>
+        <p:nvSpPr>
+          <p:cNvPr id="7" name="TextBox 6">
+            <a:extLst>
+              <a:ext uri="{FF2B5EF4-FFF2-40B4-BE49-F238E27FC236}">
+                <a16:creationId xmlns:a16="http://schemas.microsoft.com/office/drawing/2014/main" id="{B4BEE206-30E2-0448-9871-553A24A7D609}"/>
+              </a:ext>
+            </a:extLst>
+          </p:cNvPr>
+          <p:cNvSpPr txBox="1"/>
+          <p:nvPr/>
+        </p:nvSpPr>
+        <p:spPr>
+          <a:xfrm>
+            <a:off x="6096000" y="2873930"/>
+            <a:ext cx="945931" cy="369332"/>
+          </a:xfrm>
+          <a:prstGeom prst="rect">
+            <a:avLst/>
+          </a:prstGeom>
+          <a:noFill/>
+        </p:spPr>
+        <p:txBody>
+          <a:bodyPr wrap="square" rtlCol="0">
+            <a:spAutoFit/>
+          </a:bodyPr>
+          <a:lstStyle/>
+          <a:p>
+            <a:r>
+              <a:rPr lang="en-US" dirty="0"/>
+              <a:t>A*</a:t>
+            </a:r>
+          </a:p>
+        </p:txBody>
+      </p:sp>
+      <p:sp>
+        <p:nvSpPr>
+          <p:cNvPr id="8" name="TextBox 7">
+            <a:extLst>
+              <a:ext uri="{FF2B5EF4-FFF2-40B4-BE49-F238E27FC236}">
+                <a16:creationId xmlns:a16="http://schemas.microsoft.com/office/drawing/2014/main" id="{B81A8478-A73F-B74B-987A-27F7F32E2F86}"/>
+              </a:ext>
+            </a:extLst>
+          </p:cNvPr>
+          <p:cNvSpPr txBox="1"/>
+          <p:nvPr/>
+        </p:nvSpPr>
+        <p:spPr>
+          <a:xfrm>
+            <a:off x="2101149" y="6488668"/>
+            <a:ext cx="1906688" cy="369332"/>
+          </a:xfrm>
+          <a:prstGeom prst="rect">
+            <a:avLst/>
+          </a:prstGeom>
+          <a:noFill/>
+        </p:spPr>
+        <p:txBody>
+          <a:bodyPr wrap="square" rtlCol="0">
+            <a:spAutoFit/>
+          </a:bodyPr>
+          <a:lstStyle/>
+          <a:p>
+            <a:r>
+              <a:rPr lang="en-US" dirty="0"/>
+              <a:t>LQR (Q=E)</a:t>
+            </a:r>
+          </a:p>
+        </p:txBody>
+      </p:sp>
+      <p:sp>
+        <p:nvSpPr>
+          <p:cNvPr id="10" name="TextBox 9">
+            <a:extLst>
+              <a:ext uri="{FF2B5EF4-FFF2-40B4-BE49-F238E27FC236}">
+                <a16:creationId xmlns:a16="http://schemas.microsoft.com/office/drawing/2014/main" id="{2B25A25A-3246-1849-8029-660758AA6B95}"/>
+              </a:ext>
+            </a:extLst>
+          </p:cNvPr>
+          <p:cNvSpPr txBox="1"/>
+          <p:nvPr/>
+        </p:nvSpPr>
+        <p:spPr>
+          <a:xfrm>
+            <a:off x="8717659" y="6488668"/>
+            <a:ext cx="1906688" cy="369332"/>
+          </a:xfrm>
+          <a:prstGeom prst="rect">
+            <a:avLst/>
+          </a:prstGeom>
+          <a:noFill/>
+        </p:spPr>
+        <p:txBody>
+          <a:bodyPr wrap="square" rtlCol="0">
+            <a:spAutoFit/>
+          </a:bodyPr>
+          <a:lstStyle/>
+          <a:p>
+            <a:r>
+              <a:rPr lang="en-US" dirty="0"/>
+              <a:t>LQR (Q=0)</a:t>
+            </a:r>
+          </a:p>
+        </p:txBody>
+      </p:sp>
+      <p:sp>
+        <p:nvSpPr>
+          <p:cNvPr id="11" name="TextBox 10">
+            <a:extLst>
+              <a:ext uri="{FF2B5EF4-FFF2-40B4-BE49-F238E27FC236}">
+                <a16:creationId xmlns:a16="http://schemas.microsoft.com/office/drawing/2014/main" id="{72510783-F084-E244-AD62-852310AC7D63}"/>
+              </a:ext>
+            </a:extLst>
+          </p:cNvPr>
+          <p:cNvSpPr txBox="1"/>
+          <p:nvPr/>
+        </p:nvSpPr>
+        <p:spPr>
+          <a:xfrm>
+            <a:off x="9033265" y="1599549"/>
+            <a:ext cx="3158735" cy="523220"/>
+          </a:xfrm>
+          <a:prstGeom prst="rect">
+            <a:avLst/>
+          </a:prstGeom>
+          <a:noFill/>
+        </p:spPr>
+        <p:txBody>
+          <a:bodyPr wrap="square" rtlCol="0">
+            <a:spAutoFit/>
+          </a:bodyPr>
+          <a:lstStyle/>
+          <a:p>
+            <a:r>
+              <a:rPr lang="en-US" sz="2800" dirty="0"/>
+              <a:t>Goal Location 7</a:t>
+            </a:r>
+          </a:p>
+        </p:txBody>
+      </p:sp>
+      <p:pic>
+        <p:nvPicPr>
+          <p:cNvPr id="9" name="Picture 8" descr="A close up of a map&#10;&#10;Description automatically generated">
+            <a:extLst>
+              <a:ext uri="{FF2B5EF4-FFF2-40B4-BE49-F238E27FC236}">
+                <a16:creationId xmlns:a16="http://schemas.microsoft.com/office/drawing/2014/main" id="{6DADCC2A-9F09-AB4D-86F2-AA37436A2988}"/>
+              </a:ext>
+            </a:extLst>
+          </p:cNvPr>
+          <p:cNvPicPr>
+            <a:picLocks noChangeAspect="1"/>
+          </p:cNvPicPr>
+          <p:nvPr/>
+        </p:nvPicPr>
+        <p:blipFill>
+          <a:blip r:embed="rId3">
+            <a:extLst>
+              <a:ext uri="{28A0092B-C50C-407E-A947-70E740481C1C}">
+                <a14:useLocalDpi xmlns:a14="http://schemas.microsoft.com/office/drawing/2010/main" val="0"/>
+              </a:ext>
+            </a:extLst>
+          </a:blip>
+          <a:stretch>
+            <a:fillRect/>
+          </a:stretch>
+        </p:blipFill>
+        <p:spPr>
+          <a:xfrm>
+            <a:off x="2786743" y="104297"/>
+            <a:ext cx="6270171" cy="2743200"/>
+          </a:xfrm>
+          <a:prstGeom prst="rect">
+            <a:avLst/>
+          </a:prstGeom>
+        </p:spPr>
+      </p:pic>
+      <p:pic>
+        <p:nvPicPr>
+          <p:cNvPr id="12" name="Picture 11" descr="A close up of a map&#10;&#10;Description automatically generated">
+            <a:extLst>
+              <a:ext uri="{FF2B5EF4-FFF2-40B4-BE49-F238E27FC236}">
+                <a16:creationId xmlns:a16="http://schemas.microsoft.com/office/drawing/2014/main" id="{64463AED-1CD2-7745-86CB-6FEB6265E525}"/>
+              </a:ext>
+            </a:extLst>
+          </p:cNvPr>
+          <p:cNvPicPr>
+            <a:picLocks noChangeAspect="1"/>
+          </p:cNvPicPr>
+          <p:nvPr/>
+        </p:nvPicPr>
+        <p:blipFill>
+          <a:blip r:embed="rId4">
+            <a:extLst>
+              <a:ext uri="{28A0092B-C50C-407E-A947-70E740481C1C}">
+                <a14:useLocalDpi xmlns:a14="http://schemas.microsoft.com/office/drawing/2010/main" val="0"/>
+              </a:ext>
+            </a:extLst>
+          </a:blip>
+          <a:stretch>
+            <a:fillRect/>
+          </a:stretch>
+        </p:blipFill>
+        <p:spPr>
+          <a:xfrm>
+            <a:off x="0" y="3435069"/>
+            <a:ext cx="6270171" cy="2743200"/>
+          </a:xfrm>
+          <a:prstGeom prst="rect">
+            <a:avLst/>
+          </a:prstGeom>
+        </p:spPr>
+      </p:pic>
+      <p:pic>
+        <p:nvPicPr>
+          <p:cNvPr id="4" name="Picture 3" descr="A close up of a map&#10;&#10;Description automatically generated">
+            <a:extLst>
+              <a:ext uri="{FF2B5EF4-FFF2-40B4-BE49-F238E27FC236}">
+                <a16:creationId xmlns:a16="http://schemas.microsoft.com/office/drawing/2014/main" id="{586D2657-9709-904C-BBDD-A1E939DEFE13}"/>
+              </a:ext>
+            </a:extLst>
+          </p:cNvPr>
+          <p:cNvPicPr>
+            <a:picLocks noChangeAspect="1"/>
+          </p:cNvPicPr>
+          <p:nvPr/>
+        </p:nvPicPr>
+        <p:blipFill>
+          <a:blip r:embed="rId5">
+            <a:extLst>
+              <a:ext uri="{28A0092B-C50C-407E-A947-70E740481C1C}">
+                <a14:useLocalDpi xmlns:a14="http://schemas.microsoft.com/office/drawing/2010/main" val="0"/>
+              </a:ext>
+            </a:extLst>
+          </a:blip>
+          <a:stretch>
+            <a:fillRect/>
+          </a:stretch>
+        </p:blipFill>
+        <p:spPr>
+          <a:xfrm>
+            <a:off x="5921829" y="3462993"/>
+            <a:ext cx="6270171" cy="2743200"/>
+          </a:xfrm>
+          <a:prstGeom prst="rect">
+            <a:avLst/>
+          </a:prstGeom>
+        </p:spPr>
+      </p:pic>
+    </p:spTree>
+    <p:extLst>
+      <p:ext uri="{BB962C8B-B14F-4D97-AF65-F5344CB8AC3E}">
+        <p14:creationId xmlns:p14="http://schemas.microsoft.com/office/powerpoint/2010/main" val="691588799"/>
+      </p:ext>
+    </p:extLst>
+  </p:cSld>
+  <p:clrMapOvr>
+    <a:masterClrMapping/>
+  </p:clrMapOvr>
+</p:sld>
+</file>
+
+<file path=ppt/slides/slide7.xml><?xml version="1.0" encoding="utf-8"?>
+<p:sld xmlns:a="http://schemas.openxmlformats.org/drawingml/2006/main" xmlns:r="http://schemas.openxmlformats.org/officeDocument/2006/relationships" xmlns:p="http://schemas.openxmlformats.org/presentationml/2006/main">
+  <p:cSld>
+    <p:spTree>
+      <p:nvGrpSpPr>
+        <p:cNvPr id="1" name=""/>
+        <p:cNvGrpSpPr/>
+        <p:nvPr/>
+      </p:nvGrpSpPr>
+      <p:grpSpPr>
+        <a:xfrm>
+          <a:off x="0" y="0"/>
+          <a:ext cx="0" cy="0"/>
+          <a:chOff x="0" y="0"/>
+          <a:chExt cx="0" cy="0"/>
+        </a:xfrm>
+      </p:grpSpPr>
+      <p:sp>
+        <p:nvSpPr>
+          <p:cNvPr id="7" name="TextBox 6">
+            <a:extLst>
+              <a:ext uri="{FF2B5EF4-FFF2-40B4-BE49-F238E27FC236}">
+                <a16:creationId xmlns:a16="http://schemas.microsoft.com/office/drawing/2014/main" id="{B4BEE206-30E2-0448-9871-553A24A7D609}"/>
+              </a:ext>
+            </a:extLst>
+          </p:cNvPr>
+          <p:cNvSpPr txBox="1"/>
+          <p:nvPr/>
+        </p:nvSpPr>
+        <p:spPr>
+          <a:xfrm>
+            <a:off x="6096000" y="2873930"/>
+            <a:ext cx="945931" cy="369332"/>
+          </a:xfrm>
+          <a:prstGeom prst="rect">
+            <a:avLst/>
+          </a:prstGeom>
+          <a:noFill/>
+        </p:spPr>
+        <p:txBody>
+          <a:bodyPr wrap="square" rtlCol="0">
+            <a:spAutoFit/>
+          </a:bodyPr>
+          <a:lstStyle/>
+          <a:p>
+            <a:r>
+              <a:rPr lang="en-US" dirty="0"/>
+              <a:t>A*</a:t>
+            </a:r>
+          </a:p>
+        </p:txBody>
+      </p:sp>
+      <p:sp>
+        <p:nvSpPr>
+          <p:cNvPr id="8" name="TextBox 7">
+            <a:extLst>
+              <a:ext uri="{FF2B5EF4-FFF2-40B4-BE49-F238E27FC236}">
+                <a16:creationId xmlns:a16="http://schemas.microsoft.com/office/drawing/2014/main" id="{B81A8478-A73F-B74B-987A-27F7F32E2F86}"/>
+              </a:ext>
+            </a:extLst>
+          </p:cNvPr>
+          <p:cNvSpPr txBox="1"/>
+          <p:nvPr/>
+        </p:nvSpPr>
+        <p:spPr>
+          <a:xfrm>
+            <a:off x="2101149" y="6488668"/>
+            <a:ext cx="1906688" cy="369332"/>
+          </a:xfrm>
+          <a:prstGeom prst="rect">
+            <a:avLst/>
+          </a:prstGeom>
+          <a:noFill/>
+        </p:spPr>
+        <p:txBody>
+          <a:bodyPr wrap="square" rtlCol="0">
+            <a:spAutoFit/>
+          </a:bodyPr>
+          <a:lstStyle/>
+          <a:p>
+            <a:r>
+              <a:rPr lang="en-US" dirty="0"/>
+              <a:t>LQR (Q=E)</a:t>
+            </a:r>
+          </a:p>
+        </p:txBody>
+      </p:sp>
+      <p:sp>
+        <p:nvSpPr>
+          <p:cNvPr id="10" name="TextBox 9">
+            <a:extLst>
+              <a:ext uri="{FF2B5EF4-FFF2-40B4-BE49-F238E27FC236}">
+                <a16:creationId xmlns:a16="http://schemas.microsoft.com/office/drawing/2014/main" id="{2B25A25A-3246-1849-8029-660758AA6B95}"/>
+              </a:ext>
+            </a:extLst>
+          </p:cNvPr>
+          <p:cNvSpPr txBox="1"/>
+          <p:nvPr/>
+        </p:nvSpPr>
+        <p:spPr>
+          <a:xfrm>
+            <a:off x="8717659" y="6488668"/>
+            <a:ext cx="1906688" cy="369332"/>
+          </a:xfrm>
+          <a:prstGeom prst="rect">
+            <a:avLst/>
+          </a:prstGeom>
+          <a:noFill/>
+        </p:spPr>
+        <p:txBody>
+          <a:bodyPr wrap="square" rtlCol="0">
+            <a:spAutoFit/>
+          </a:bodyPr>
+          <a:lstStyle/>
+          <a:p>
+            <a:r>
+              <a:rPr lang="en-US" dirty="0"/>
+              <a:t>LQR (Q=0)</a:t>
+            </a:r>
+          </a:p>
+        </p:txBody>
+      </p:sp>
+      <p:sp>
+        <p:nvSpPr>
+          <p:cNvPr id="11" name="TextBox 10">
+            <a:extLst>
+              <a:ext uri="{FF2B5EF4-FFF2-40B4-BE49-F238E27FC236}">
+                <a16:creationId xmlns:a16="http://schemas.microsoft.com/office/drawing/2014/main" id="{72510783-F084-E244-AD62-852310AC7D63}"/>
+              </a:ext>
+            </a:extLst>
+          </p:cNvPr>
+          <p:cNvSpPr txBox="1"/>
+          <p:nvPr/>
+        </p:nvSpPr>
+        <p:spPr>
+          <a:xfrm>
+            <a:off x="9033265" y="1599549"/>
+            <a:ext cx="3158735" cy="523220"/>
+          </a:xfrm>
+          <a:prstGeom prst="rect">
+            <a:avLst/>
+          </a:prstGeom>
+          <a:noFill/>
+        </p:spPr>
+        <p:txBody>
+          <a:bodyPr wrap="square" rtlCol="0">
+            <a:spAutoFit/>
+          </a:bodyPr>
+          <a:lstStyle/>
+          <a:p>
+            <a:r>
+              <a:rPr lang="en-US" sz="2800" dirty="0"/>
+              <a:t>Goal Location 2</a:t>
+            </a:r>
+          </a:p>
+        </p:txBody>
+      </p:sp>
+      <p:pic>
+        <p:nvPicPr>
+          <p:cNvPr id="13" name="Picture 12" descr="A close up of a map&#10;&#10;Description automatically generated">
+            <a:extLst>
+              <a:ext uri="{FF2B5EF4-FFF2-40B4-BE49-F238E27FC236}">
+                <a16:creationId xmlns:a16="http://schemas.microsoft.com/office/drawing/2014/main" id="{19BA1915-4954-D547-BAA8-E000B5316598}"/>
+              </a:ext>
+            </a:extLst>
+          </p:cNvPr>
+          <p:cNvPicPr>
+            <a:picLocks noChangeAspect="1"/>
+          </p:cNvPicPr>
+          <p:nvPr/>
+        </p:nvPicPr>
+        <p:blipFill>
+          <a:blip r:embed="rId3">
+            <a:extLst>
+              <a:ext uri="{28A0092B-C50C-407E-A947-70E740481C1C}">
+                <a14:useLocalDpi xmlns:a14="http://schemas.microsoft.com/office/drawing/2010/main" val="0"/>
+              </a:ext>
+            </a:extLst>
+          </a:blip>
+          <a:stretch>
+            <a:fillRect/>
+          </a:stretch>
+        </p:blipFill>
+        <p:spPr>
+          <a:xfrm>
+            <a:off x="2786743" y="130730"/>
+            <a:ext cx="6270171" cy="2743200"/>
+          </a:xfrm>
+          <a:prstGeom prst="rect">
+            <a:avLst/>
+          </a:prstGeom>
+        </p:spPr>
+      </p:pic>
+      <p:pic>
+        <p:nvPicPr>
+          <p:cNvPr id="14" name="Picture 13" descr="A close up of a map&#10;&#10;Description automatically generated">
+            <a:extLst>
+              <a:ext uri="{FF2B5EF4-FFF2-40B4-BE49-F238E27FC236}">
+                <a16:creationId xmlns:a16="http://schemas.microsoft.com/office/drawing/2014/main" id="{CF9AC02C-A382-1243-AED2-24BC2B1C3461}"/>
+              </a:ext>
+            </a:extLst>
+          </p:cNvPr>
+          <p:cNvPicPr>
+            <a:picLocks noChangeAspect="1"/>
+          </p:cNvPicPr>
+          <p:nvPr/>
+        </p:nvPicPr>
+        <p:blipFill>
+          <a:blip r:embed="rId4">
+            <a:extLst>
+              <a:ext uri="{28A0092B-C50C-407E-A947-70E740481C1C}">
+                <a14:useLocalDpi xmlns:a14="http://schemas.microsoft.com/office/drawing/2010/main" val="0"/>
+              </a:ext>
+            </a:extLst>
+          </a:blip>
+          <a:stretch>
+            <a:fillRect/>
+          </a:stretch>
+        </p:blipFill>
+        <p:spPr>
+          <a:xfrm>
+            <a:off x="0" y="3417989"/>
+            <a:ext cx="6270171" cy="2743200"/>
+          </a:xfrm>
+          <a:prstGeom prst="rect">
+            <a:avLst/>
+          </a:prstGeom>
+        </p:spPr>
+      </p:pic>
+      <p:pic>
+        <p:nvPicPr>
+          <p:cNvPr id="3" name="Picture 2" descr="A close up of a map&#10;&#10;Description automatically generated">
+            <a:extLst>
+              <a:ext uri="{FF2B5EF4-FFF2-40B4-BE49-F238E27FC236}">
+                <a16:creationId xmlns:a16="http://schemas.microsoft.com/office/drawing/2014/main" id="{F79E59CA-A235-CA4F-97E7-71B50B453DE4}"/>
+              </a:ext>
+            </a:extLst>
+          </p:cNvPr>
+          <p:cNvPicPr>
+            <a:picLocks noChangeAspect="1"/>
+          </p:cNvPicPr>
+          <p:nvPr/>
+        </p:nvPicPr>
+        <p:blipFill>
+          <a:blip r:embed="rId5">
+            <a:extLst>
+              <a:ext uri="{28A0092B-C50C-407E-A947-70E740481C1C}">
+                <a14:useLocalDpi xmlns:a14="http://schemas.microsoft.com/office/drawing/2010/main" val="0"/>
+              </a:ext>
+            </a:extLst>
+          </a:blip>
+          <a:stretch>
+            <a:fillRect/>
+          </a:stretch>
+        </p:blipFill>
+        <p:spPr>
+          <a:xfrm>
+            <a:off x="5795964" y="3429000"/>
+            <a:ext cx="6270171" cy="2743200"/>
+          </a:xfrm>
+          <a:prstGeom prst="rect">
+            <a:avLst/>
+          </a:prstGeom>
+        </p:spPr>
+      </p:pic>
+    </p:spTree>
+    <p:extLst>
+      <p:ext uri="{BB962C8B-B14F-4D97-AF65-F5344CB8AC3E}">
+        <p14:creationId xmlns:p14="http://schemas.microsoft.com/office/powerpoint/2010/main" val="1688135851"/>
+      </p:ext>
+    </p:extLst>
+  </p:cSld>
+  <p:clrMapOvr>
+    <a:masterClrMapping/>
+  </p:clrMapOvr>
+</p:sld>
+</file>
+
+<file path=ppt/slides/slide8.xml><?xml version="1.0" encoding="utf-8"?>
+<p:sld xmlns:a="http://schemas.openxmlformats.org/drawingml/2006/main" xmlns:r="http://schemas.openxmlformats.org/officeDocument/2006/relationships" xmlns:p="http://schemas.openxmlformats.org/presentationml/2006/main">
+  <p:cSld>
+    <p:spTree>
+      <p:nvGrpSpPr>
+        <p:cNvPr id="1" name=""/>
+        <p:cNvGrpSpPr/>
+        <p:nvPr/>
+      </p:nvGrpSpPr>
+      <p:grpSpPr>
+        <a:xfrm>
+          <a:off x="0" y="0"/>
+          <a:ext cx="0" cy="0"/>
+          <a:chOff x="0" y="0"/>
+          <a:chExt cx="0" cy="0"/>
+        </a:xfrm>
+      </p:grpSpPr>
+      <p:sp>
+        <p:nvSpPr>
+          <p:cNvPr id="7" name="TextBox 6">
+            <a:extLst>
+              <a:ext uri="{FF2B5EF4-FFF2-40B4-BE49-F238E27FC236}">
+                <a16:creationId xmlns:a16="http://schemas.microsoft.com/office/drawing/2014/main" id="{B4BEE206-30E2-0448-9871-553A24A7D609}"/>
+              </a:ext>
+            </a:extLst>
+          </p:cNvPr>
+          <p:cNvSpPr txBox="1"/>
+          <p:nvPr/>
+        </p:nvSpPr>
+        <p:spPr>
+          <a:xfrm>
+            <a:off x="6096000" y="2873930"/>
+            <a:ext cx="945931" cy="369332"/>
+          </a:xfrm>
+          <a:prstGeom prst="rect">
+            <a:avLst/>
+          </a:prstGeom>
+          <a:noFill/>
+        </p:spPr>
+        <p:txBody>
+          <a:bodyPr wrap="square" rtlCol="0">
+            <a:spAutoFit/>
+          </a:bodyPr>
+          <a:lstStyle/>
+          <a:p>
+            <a:r>
+              <a:rPr lang="en-US" dirty="0"/>
+              <a:t>A*</a:t>
+            </a:r>
+          </a:p>
+        </p:txBody>
+      </p:sp>
+      <p:sp>
+        <p:nvSpPr>
+          <p:cNvPr id="8" name="TextBox 7">
+            <a:extLst>
+              <a:ext uri="{FF2B5EF4-FFF2-40B4-BE49-F238E27FC236}">
+                <a16:creationId xmlns:a16="http://schemas.microsoft.com/office/drawing/2014/main" id="{B81A8478-A73F-B74B-987A-27F7F32E2F86}"/>
+              </a:ext>
+            </a:extLst>
+          </p:cNvPr>
+          <p:cNvSpPr txBox="1"/>
+          <p:nvPr/>
+        </p:nvSpPr>
+        <p:spPr>
+          <a:xfrm>
+            <a:off x="2101149" y="6488668"/>
+            <a:ext cx="1906688" cy="369332"/>
+          </a:xfrm>
+          <a:prstGeom prst="rect">
+            <a:avLst/>
+          </a:prstGeom>
+          <a:noFill/>
+        </p:spPr>
+        <p:txBody>
+          <a:bodyPr wrap="square" rtlCol="0">
+            <a:spAutoFit/>
+          </a:bodyPr>
+          <a:lstStyle/>
+          <a:p>
+            <a:r>
+              <a:rPr lang="en-US" dirty="0"/>
+              <a:t>LQR (Q=E)</a:t>
+            </a:r>
+          </a:p>
+        </p:txBody>
+      </p:sp>
+      <p:sp>
+        <p:nvSpPr>
+          <p:cNvPr id="10" name="TextBox 9">
+            <a:extLst>
+              <a:ext uri="{FF2B5EF4-FFF2-40B4-BE49-F238E27FC236}">
+                <a16:creationId xmlns:a16="http://schemas.microsoft.com/office/drawing/2014/main" id="{2B25A25A-3246-1849-8029-660758AA6B95}"/>
+              </a:ext>
+            </a:extLst>
+          </p:cNvPr>
+          <p:cNvSpPr txBox="1"/>
+          <p:nvPr/>
+        </p:nvSpPr>
+        <p:spPr>
+          <a:xfrm>
+            <a:off x="8717659" y="6488668"/>
+            <a:ext cx="1906688" cy="369332"/>
+          </a:xfrm>
+          <a:prstGeom prst="rect">
+            <a:avLst/>
+          </a:prstGeom>
+          <a:noFill/>
+        </p:spPr>
+        <p:txBody>
+          <a:bodyPr wrap="square" rtlCol="0">
+            <a:spAutoFit/>
+          </a:bodyPr>
+          <a:lstStyle/>
+          <a:p>
+            <a:r>
+              <a:rPr lang="en-US" dirty="0"/>
+              <a:t>LQR (Q=0)</a:t>
+            </a:r>
+          </a:p>
+        </p:txBody>
+      </p:sp>
+      <p:sp>
+        <p:nvSpPr>
+          <p:cNvPr id="11" name="TextBox 10">
+            <a:extLst>
+              <a:ext uri="{FF2B5EF4-FFF2-40B4-BE49-F238E27FC236}">
+                <a16:creationId xmlns:a16="http://schemas.microsoft.com/office/drawing/2014/main" id="{72510783-F084-E244-AD62-852310AC7D63}"/>
+              </a:ext>
+            </a:extLst>
+          </p:cNvPr>
+          <p:cNvSpPr txBox="1"/>
+          <p:nvPr/>
+        </p:nvSpPr>
+        <p:spPr>
+          <a:xfrm>
+            <a:off x="9033265" y="1599549"/>
+            <a:ext cx="3158735" cy="523220"/>
+          </a:xfrm>
+          <a:prstGeom prst="rect">
+            <a:avLst/>
+          </a:prstGeom>
+          <a:noFill/>
+        </p:spPr>
+        <p:txBody>
+          <a:bodyPr wrap="square" rtlCol="0">
+            <a:spAutoFit/>
+          </a:bodyPr>
+          <a:lstStyle/>
+          <a:p>
+            <a:r>
+              <a:rPr lang="en-US" sz="2800" dirty="0"/>
+              <a:t>Goal Location 0</a:t>
+            </a:r>
+          </a:p>
+        </p:txBody>
+      </p:sp>
+      <p:pic>
+        <p:nvPicPr>
+          <p:cNvPr id="9" name="Picture 8" descr="A close up of a map&#10;&#10;Description automatically generated">
+            <a:extLst>
+              <a:ext uri="{FF2B5EF4-FFF2-40B4-BE49-F238E27FC236}">
+                <a16:creationId xmlns:a16="http://schemas.microsoft.com/office/drawing/2014/main" id="{77D56D7B-39FD-FE43-AED5-ABC841F6FE3E}"/>
+              </a:ext>
+            </a:extLst>
+          </p:cNvPr>
+          <p:cNvPicPr>
+            <a:picLocks noChangeAspect="1"/>
+          </p:cNvPicPr>
+          <p:nvPr/>
+        </p:nvPicPr>
+        <p:blipFill>
+          <a:blip r:embed="rId3">
+            <a:extLst>
+              <a:ext uri="{28A0092B-C50C-407E-A947-70E740481C1C}">
+                <a14:useLocalDpi xmlns:a14="http://schemas.microsoft.com/office/drawing/2010/main" val="0"/>
+              </a:ext>
+            </a:extLst>
+          </a:blip>
+          <a:stretch>
+            <a:fillRect/>
+          </a:stretch>
+        </p:blipFill>
+        <p:spPr>
+          <a:xfrm>
+            <a:off x="2763094" y="130730"/>
+            <a:ext cx="6270171" cy="2743200"/>
+          </a:xfrm>
+          <a:prstGeom prst="rect">
+            <a:avLst/>
+          </a:prstGeom>
+        </p:spPr>
+      </p:pic>
+      <p:pic>
+        <p:nvPicPr>
+          <p:cNvPr id="12" name="Picture 11" descr="A close up of a map&#10;&#10;Description automatically generated">
+            <a:extLst>
+              <a:ext uri="{FF2B5EF4-FFF2-40B4-BE49-F238E27FC236}">
+                <a16:creationId xmlns:a16="http://schemas.microsoft.com/office/drawing/2014/main" id="{3E3DDA60-E07E-D947-A5CF-D81F1048C8C5}"/>
+              </a:ext>
+            </a:extLst>
+          </p:cNvPr>
+          <p:cNvPicPr>
+            <a:picLocks noChangeAspect="1"/>
+          </p:cNvPicPr>
+          <p:nvPr/>
+        </p:nvPicPr>
+        <p:blipFill>
+          <a:blip r:embed="rId4">
+            <a:extLst>
+              <a:ext uri="{28A0092B-C50C-407E-A947-70E740481C1C}">
+                <a14:useLocalDpi xmlns:a14="http://schemas.microsoft.com/office/drawing/2010/main" val="0"/>
+              </a:ext>
+            </a:extLst>
+          </a:blip>
+          <a:stretch>
+            <a:fillRect/>
+          </a:stretch>
+        </p:blipFill>
+        <p:spPr>
+          <a:xfrm>
+            <a:off x="0" y="3429000"/>
+            <a:ext cx="6270171" cy="2743200"/>
+          </a:xfrm>
+          <a:prstGeom prst="rect">
+            <a:avLst/>
+          </a:prstGeom>
+        </p:spPr>
+      </p:pic>
+      <p:pic>
+        <p:nvPicPr>
+          <p:cNvPr id="4" name="Picture 3" descr="A close up of a map&#10;&#10;Description automatically generated">
+            <a:extLst>
+              <a:ext uri="{FF2B5EF4-FFF2-40B4-BE49-F238E27FC236}">
+                <a16:creationId xmlns:a16="http://schemas.microsoft.com/office/drawing/2014/main" id="{EBC317FF-E063-9346-AEBF-B1023110F26F}"/>
+              </a:ext>
+            </a:extLst>
+          </p:cNvPr>
+          <p:cNvPicPr>
+            <a:picLocks noChangeAspect="1"/>
+          </p:cNvPicPr>
+          <p:nvPr/>
+        </p:nvPicPr>
+        <p:blipFill>
+          <a:blip r:embed="rId5">
+            <a:extLst>
+              <a:ext uri="{28A0092B-C50C-407E-A947-70E740481C1C}">
+                <a14:useLocalDpi xmlns:a14="http://schemas.microsoft.com/office/drawing/2010/main" val="0"/>
+              </a:ext>
+            </a:extLst>
+          </a:blip>
+          <a:stretch>
+            <a:fillRect/>
+          </a:stretch>
+        </p:blipFill>
+        <p:spPr>
+          <a:xfrm>
+            <a:off x="5921829" y="3429000"/>
+            <a:ext cx="6270171" cy="2743200"/>
+          </a:xfrm>
+          <a:prstGeom prst="rect">
+            <a:avLst/>
+          </a:prstGeom>
+        </p:spPr>
+      </p:pic>
+    </p:spTree>
+    <p:extLst>
+      <p:ext uri="{BB962C8B-B14F-4D97-AF65-F5344CB8AC3E}">
+        <p14:creationId xmlns:p14="http://schemas.microsoft.com/office/powerpoint/2010/main" val="437383209"/>
+      </p:ext>
+    </p:extLst>
+  </p:cSld>
+  <p:clrMapOvr>
+    <a:masterClrMapping/>
+  </p:clrMapOvr>
+</p:sld>
+</file>
+
+<file path=ppt/slides/slide9.xml><?xml version="1.0" encoding="utf-8"?>
+<p:sld xmlns:a="http://schemas.openxmlformats.org/drawingml/2006/main" xmlns:r="http://schemas.openxmlformats.org/officeDocument/2006/relationships" xmlns:p="http://schemas.openxmlformats.org/presentationml/2006/main">
+  <p:cSld>
+    <p:spTree>
+      <p:nvGrpSpPr>
+        <p:cNvPr id="1" name=""/>
+        <p:cNvGrpSpPr/>
+        <p:nvPr/>
+      </p:nvGrpSpPr>
+      <p:grpSpPr>
+        <a:xfrm>
+          <a:off x="0" y="0"/>
+          <a:ext cx="0" cy="0"/>
+          <a:chOff x="0" y="0"/>
+          <a:chExt cx="0" cy="0"/>
+        </a:xfrm>
+      </p:grpSpPr>
+      <p:pic>
+        <p:nvPicPr>
+          <p:cNvPr id="7" name="Picture 6" descr="A screenshot of a cell phone&#10;&#10;Description automatically generated">
+            <a:extLst>
+              <a:ext uri="{FF2B5EF4-FFF2-40B4-BE49-F238E27FC236}">
+                <a16:creationId xmlns:a16="http://schemas.microsoft.com/office/drawing/2014/main" id="{34B4723F-A629-5548-9684-8DA6505DFD85}"/>
+              </a:ext>
+            </a:extLst>
+          </p:cNvPr>
+          <p:cNvPicPr>
+            <a:picLocks noChangeAspect="1"/>
+          </p:cNvPicPr>
+          <p:nvPr/>
+        </p:nvPicPr>
+        <p:blipFill>
+          <a:blip r:embed="rId2">
+            <a:extLst>
+              <a:ext uri="{28A0092B-C50C-407E-A947-70E740481C1C}">
+                <a14:useLocalDpi xmlns:a14="http://schemas.microsoft.com/office/drawing/2010/main" val="0"/>
+              </a:ext>
+            </a:extLst>
+          </a:blip>
+          <a:stretch>
+            <a:fillRect/>
+          </a:stretch>
+        </p:blipFill>
+        <p:spPr>
+          <a:xfrm>
+            <a:off x="158425" y="3833872"/>
+            <a:ext cx="3200400" cy="3200400"/>
+          </a:xfrm>
+          <a:prstGeom prst="rect">
+            <a:avLst/>
+          </a:prstGeom>
+        </p:spPr>
+      </p:pic>
+      <p:pic>
+        <p:nvPicPr>
+          <p:cNvPr id="14" name="Picture 13" descr="A close up of a map&#10;&#10;Description automatically generated">
+            <a:extLst>
+              <a:ext uri="{FF2B5EF4-FFF2-40B4-BE49-F238E27FC236}">
+                <a16:creationId xmlns:a16="http://schemas.microsoft.com/office/drawing/2014/main" id="{2C460C77-C94B-E148-97D0-A324327DD722}"/>
+              </a:ext>
+            </a:extLst>
+          </p:cNvPr>
+          <p:cNvPicPr>
+            <a:picLocks noChangeAspect="1"/>
+          </p:cNvPicPr>
+          <p:nvPr/>
+        </p:nvPicPr>
+        <p:blipFill>
+          <a:blip r:embed="rId3">
+            <a:extLst>
+              <a:ext uri="{28A0092B-C50C-407E-A947-70E740481C1C}">
+                <a14:useLocalDpi xmlns:a14="http://schemas.microsoft.com/office/drawing/2010/main" val="0"/>
+              </a:ext>
+            </a:extLst>
+          </a:blip>
+          <a:stretch>
+            <a:fillRect/>
+          </a:stretch>
+        </p:blipFill>
+        <p:spPr>
+          <a:xfrm>
+            <a:off x="4052888" y="3833872"/>
+            <a:ext cx="3200400" cy="3200400"/>
+          </a:xfrm>
+          <a:prstGeom prst="rect">
+            <a:avLst/>
+          </a:prstGeom>
+        </p:spPr>
+      </p:pic>
+      <p:pic>
+        <p:nvPicPr>
+          <p:cNvPr id="16" name="Picture 15" descr="A screenshot of a cell phone&#10;&#10;Description automatically generated">
+            <a:extLst>
+              <a:ext uri="{FF2B5EF4-FFF2-40B4-BE49-F238E27FC236}">
+                <a16:creationId xmlns:a16="http://schemas.microsoft.com/office/drawing/2014/main" id="{D95CDEC7-67A5-6248-8184-99D98C484EE0}"/>
+              </a:ext>
+            </a:extLst>
+          </p:cNvPr>
+          <p:cNvPicPr>
+            <a:picLocks noChangeAspect="1"/>
+          </p:cNvPicPr>
+          <p:nvPr/>
+        </p:nvPicPr>
+        <p:blipFill>
+          <a:blip r:embed="rId4">
+            <a:extLst>
+              <a:ext uri="{28A0092B-C50C-407E-A947-70E740481C1C}">
+                <a14:useLocalDpi xmlns:a14="http://schemas.microsoft.com/office/drawing/2010/main" val="0"/>
+              </a:ext>
+            </a:extLst>
+          </a:blip>
+          <a:stretch>
+            <a:fillRect/>
+          </a:stretch>
+        </p:blipFill>
+        <p:spPr>
+          <a:xfrm>
+            <a:off x="7613257" y="3833873"/>
+            <a:ext cx="3200400" cy="3200400"/>
+          </a:xfrm>
+          <a:prstGeom prst="rect">
+            <a:avLst/>
+          </a:prstGeom>
+        </p:spPr>
+      </p:pic>
+      <p:pic>
+        <p:nvPicPr>
+          <p:cNvPr id="3" name="Picture 2" descr="A close up of a map&#10;&#10;Description automatically generated">
+            <a:extLst>
+              <a:ext uri="{FF2B5EF4-FFF2-40B4-BE49-F238E27FC236}">
+                <a16:creationId xmlns:a16="http://schemas.microsoft.com/office/drawing/2014/main" id="{0CB3C1D6-7286-0F4D-927C-0B4AC5074D80}"/>
+              </a:ext>
+            </a:extLst>
+          </p:cNvPr>
+          <p:cNvPicPr>
+            <a:picLocks noChangeAspect="1"/>
+          </p:cNvPicPr>
+          <p:nvPr/>
+        </p:nvPicPr>
+        <p:blipFill>
+          <a:blip r:embed="rId5">
+            <a:extLst>
+              <a:ext uri="{28A0092B-C50C-407E-A947-70E740481C1C}">
+                <a14:useLocalDpi xmlns:a14="http://schemas.microsoft.com/office/drawing/2010/main" val="0"/>
+              </a:ext>
+            </a:extLst>
+          </a:blip>
+          <a:stretch>
+            <a:fillRect/>
+          </a:stretch>
+        </p:blipFill>
+        <p:spPr>
+          <a:xfrm>
+            <a:off x="2438400" y="1828800"/>
+            <a:ext cx="0" cy="0"/>
+          </a:xfrm>
+          <a:prstGeom prst="rect">
+            <a:avLst/>
+          </a:prstGeom>
+        </p:spPr>
+      </p:pic>
+      <p:sp>
+        <p:nvSpPr>
+          <p:cNvPr id="19" name="TextBox 18">
+            <a:extLst>
+              <a:ext uri="{FF2B5EF4-FFF2-40B4-BE49-F238E27FC236}">
+                <a16:creationId xmlns:a16="http://schemas.microsoft.com/office/drawing/2014/main" id="{078CA43E-3582-AF46-8470-F196E16540A5}"/>
+              </a:ext>
+            </a:extLst>
+          </p:cNvPr>
+          <p:cNvSpPr txBox="1"/>
+          <p:nvPr/>
+        </p:nvSpPr>
+        <p:spPr>
+          <a:xfrm>
+            <a:off x="10938745" y="1867842"/>
+            <a:ext cx="945931" cy="369332"/>
+          </a:xfrm>
+          <a:prstGeom prst="rect">
+            <a:avLst/>
+          </a:prstGeom>
+          <a:noFill/>
+        </p:spPr>
+        <p:txBody>
+          <a:bodyPr wrap="square" rtlCol="0">
+            <a:spAutoFit/>
+          </a:bodyPr>
+          <a:lstStyle/>
+          <a:p>
+            <a:r>
+              <a:rPr lang="en-US" dirty="0"/>
+              <a:t>A*</a:t>
+            </a:r>
+          </a:p>
+        </p:txBody>
+      </p:sp>
+      <p:pic>
+        <p:nvPicPr>
+          <p:cNvPr id="4" name="Picture 3" descr="A screenshot of a cell phone&#10;&#10;Description automatically generated">
+            <a:extLst>
+              <a:ext uri="{FF2B5EF4-FFF2-40B4-BE49-F238E27FC236}">
+                <a16:creationId xmlns:a16="http://schemas.microsoft.com/office/drawing/2014/main" id="{8ECE24D4-8B8E-A74C-906A-BF8F21212183}"/>
+              </a:ext>
+            </a:extLst>
+          </p:cNvPr>
+          <p:cNvPicPr>
+            <a:picLocks noChangeAspect="1"/>
+          </p:cNvPicPr>
+          <p:nvPr/>
+        </p:nvPicPr>
+        <p:blipFill>
+          <a:blip r:embed="rId6">
+            <a:extLst>
+              <a:ext uri="{28A0092B-C50C-407E-A947-70E740481C1C}">
+                <a14:useLocalDpi xmlns:a14="http://schemas.microsoft.com/office/drawing/2010/main" val="0"/>
+              </a:ext>
+            </a:extLst>
+          </a:blip>
+          <a:stretch>
+            <a:fillRect/>
+          </a:stretch>
+        </p:blipFill>
+        <p:spPr>
+          <a:xfrm>
+            <a:off x="144137" y="-176272"/>
+            <a:ext cx="3200400" cy="3200400"/>
+          </a:xfrm>
+          <a:prstGeom prst="rect">
+            <a:avLst/>
+          </a:prstGeom>
+        </p:spPr>
+      </p:pic>
+      <p:pic>
+        <p:nvPicPr>
+          <p:cNvPr id="6" name="Picture 5" descr="A close up of a map&#10;&#10;Description automatically generated">
+            <a:extLst>
+              <a:ext uri="{FF2B5EF4-FFF2-40B4-BE49-F238E27FC236}">
+                <a16:creationId xmlns:a16="http://schemas.microsoft.com/office/drawing/2014/main" id="{86B29744-5646-3B4F-A8F9-940CBAE9E8BC}"/>
+              </a:ext>
+            </a:extLst>
+          </p:cNvPr>
+          <p:cNvPicPr>
+            <a:picLocks noChangeAspect="1"/>
+          </p:cNvPicPr>
+          <p:nvPr/>
+        </p:nvPicPr>
+        <p:blipFill>
+          <a:blip r:embed="rId7">
+            <a:extLst>
+              <a:ext uri="{28A0092B-C50C-407E-A947-70E740481C1C}">
+                <a14:useLocalDpi xmlns:a14="http://schemas.microsoft.com/office/drawing/2010/main" val="0"/>
+              </a:ext>
+            </a:extLst>
+          </a:blip>
+          <a:stretch>
+            <a:fillRect/>
+          </a:stretch>
+        </p:blipFill>
+        <p:spPr>
+          <a:xfrm>
+            <a:off x="4052888" y="-176272"/>
+            <a:ext cx="3200400" cy="3200400"/>
+          </a:xfrm>
+          <a:prstGeom prst="rect">
+            <a:avLst/>
+          </a:prstGeom>
+        </p:spPr>
+      </p:pic>
+      <p:pic>
+        <p:nvPicPr>
+          <p:cNvPr id="8" name="Picture 7" descr="A screenshot of a cell phone&#10;&#10;Description automatically generated">
+            <a:extLst>
+              <a:ext uri="{FF2B5EF4-FFF2-40B4-BE49-F238E27FC236}">
+                <a16:creationId xmlns:a16="http://schemas.microsoft.com/office/drawing/2014/main" id="{19B51240-75FF-4540-B368-3F0AC283BAC5}"/>
+              </a:ext>
+            </a:extLst>
+          </p:cNvPr>
+          <p:cNvPicPr>
+            <a:picLocks noChangeAspect="1"/>
+          </p:cNvPicPr>
+          <p:nvPr/>
+        </p:nvPicPr>
+        <p:blipFill>
+          <a:blip r:embed="rId8">
+            <a:extLst>
+              <a:ext uri="{28A0092B-C50C-407E-A947-70E740481C1C}">
+                <a14:useLocalDpi xmlns:a14="http://schemas.microsoft.com/office/drawing/2010/main" val="0"/>
+              </a:ext>
+            </a:extLst>
+          </a:blip>
+          <a:stretch>
+            <a:fillRect/>
+          </a:stretch>
+        </p:blipFill>
+        <p:spPr>
+          <a:xfrm>
+            <a:off x="7613257" y="-176272"/>
+            <a:ext cx="3200400" cy="3200400"/>
+          </a:xfrm>
+          <a:prstGeom prst="rect">
+            <a:avLst/>
+          </a:prstGeom>
+        </p:spPr>
+      </p:pic>
+      <p:sp>
+        <p:nvSpPr>
+          <p:cNvPr id="12" name="TextBox 11">
+            <a:extLst>
+              <a:ext uri="{FF2B5EF4-FFF2-40B4-BE49-F238E27FC236}">
+                <a16:creationId xmlns:a16="http://schemas.microsoft.com/office/drawing/2014/main" id="{136F7C20-9BDD-374B-B6EF-98A7808CC2D3}"/>
+              </a:ext>
+            </a:extLst>
+          </p:cNvPr>
+          <p:cNvSpPr txBox="1"/>
+          <p:nvPr/>
+        </p:nvSpPr>
+        <p:spPr>
+          <a:xfrm>
+            <a:off x="10424630" y="4844534"/>
+            <a:ext cx="1862620" cy="369332"/>
+          </a:xfrm>
+          <a:prstGeom prst="rect">
+            <a:avLst/>
+          </a:prstGeom>
+          <a:noFill/>
+        </p:spPr>
+        <p:txBody>
+          <a:bodyPr wrap="square" rtlCol="0">
+            <a:spAutoFit/>
+          </a:bodyPr>
+          <a:lstStyle/>
+          <a:p>
+            <a:r>
+              <a:rPr lang="en-US" dirty="0"/>
+              <a:t>(A*-based) LQR</a:t>
+            </a:r>
+          </a:p>
+        </p:txBody>
+      </p:sp>
+      <p:graphicFrame>
+        <p:nvGraphicFramePr>
+          <p:cNvPr id="5" name="Table 6">
+            <a:extLst>
+              <a:ext uri="{FF2B5EF4-FFF2-40B4-BE49-F238E27FC236}">
+                <a16:creationId xmlns:a16="http://schemas.microsoft.com/office/drawing/2014/main" id="{160C50DD-1204-3243-8F34-5C7BADBED280}"/>
+              </a:ext>
+            </a:extLst>
+          </p:cNvPr>
+          <p:cNvGraphicFramePr>
+            <a:graphicFrameLocks noGrp="1"/>
+          </p:cNvGraphicFramePr>
+          <p:nvPr>
+            <p:extLst>
+              <p:ext uri="{D42A27DB-BD31-4B8C-83A1-F6EECF244321}">
+                <p14:modId xmlns:p14="http://schemas.microsoft.com/office/powerpoint/2010/main" val="2655294596"/>
+              </p:ext>
+            </p:extLst>
+          </p:nvPr>
+        </p:nvGraphicFramePr>
+        <p:xfrm>
+          <a:off x="1589088" y="2872740"/>
+          <a:ext cx="8128000" cy="1112520"/>
+        </p:xfrm>
+        <a:graphic>
+          <a:graphicData uri="http://schemas.openxmlformats.org/drawingml/2006/table">
+            <a:tbl>
+              <a:tblPr firstRow="1" bandRow="1">
+                <a:tableStyleId>{5C22544A-7EE6-4342-B048-85BDC9FD1C3A}</a:tableStyleId>
+              </a:tblPr>
+              <a:tblGrid>
+                <a:gridCol w="2032000">
+                  <a:extLst>
+                    <a:ext uri="{9D8B030D-6E8A-4147-A177-3AD203B41FA5}">
+                      <a16:colId xmlns:a16="http://schemas.microsoft.com/office/drawing/2014/main" val="3391594689"/>
+                    </a:ext>
+                  </a:extLst>
+                </a:gridCol>
+                <a:gridCol w="2032000">
+                  <a:extLst>
+                    <a:ext uri="{9D8B030D-6E8A-4147-A177-3AD203B41FA5}">
+                      <a16:colId xmlns:a16="http://schemas.microsoft.com/office/drawing/2014/main" val="2685098187"/>
+                    </a:ext>
+                  </a:extLst>
+                </a:gridCol>
+                <a:gridCol w="2032000">
+                  <a:extLst>
+                    <a:ext uri="{9D8B030D-6E8A-4147-A177-3AD203B41FA5}">
+                      <a16:colId xmlns:a16="http://schemas.microsoft.com/office/drawing/2014/main" val="2502073186"/>
+                    </a:ext>
+                  </a:extLst>
+                </a:gridCol>
+                <a:gridCol w="2032000">
+                  <a:extLst>
+                    <a:ext uri="{9D8B030D-6E8A-4147-A177-3AD203B41FA5}">
+                      <a16:colId xmlns:a16="http://schemas.microsoft.com/office/drawing/2014/main" val="830852929"/>
+                    </a:ext>
+                  </a:extLst>
+                </a:gridCol>
+              </a:tblGrid>
+              <a:tr h="370840">
+                <a:tc>
+                  <a:txBody>
+                    <a:bodyPr/>
+                    <a:lstStyle/>
+                    <a:p>
+                      <a:r>
+                        <a:rPr lang="en-US" dirty="0"/>
+                        <a:t>Method</a:t>
+                      </a:r>
+                    </a:p>
+                  </a:txBody>
+                  <a:tcPr/>
+                </a:tc>
+                <a:tc>
+                  <a:txBody>
+                    <a:bodyPr/>
+                    <a:lstStyle/>
+                    <a:p>
+                      <a:r>
+                        <a:rPr lang="en-US" dirty="0"/>
+                        <a:t>Goal Loc 1</a:t>
+                      </a:r>
+                    </a:p>
+                  </a:txBody>
+                  <a:tcPr/>
+                </a:tc>
+                <a:tc>
+                  <a:txBody>
+                    <a:bodyPr/>
+                    <a:lstStyle/>
+                    <a:p>
+                      <a:pPr marL="0" marR="0" lvl="0" indent="0" algn="l" defTabSz="914400" rtl="0" eaLnBrk="1" fontAlgn="auto" latinLnBrk="0" hangingPunct="1">
+                        <a:lnSpc>
+                          <a:spcPct val="100000"/>
+                        </a:lnSpc>
+                        <a:spcBef>
+                          <a:spcPts val="0"/>
+                        </a:spcBef>
+                        <a:spcAft>
+                          <a:spcPts val="0"/>
+                        </a:spcAft>
+                        <a:buClrTx/>
+                        <a:buSzTx/>
+                        <a:buFontTx/>
+                        <a:buNone/>
+                        <a:tabLst/>
+                        <a:defRPr/>
+                      </a:pPr>
+                      <a:r>
+                        <a:rPr lang="en-US" dirty="0"/>
+                        <a:t>Goal Loc 2</a:t>
+                      </a:r>
+                    </a:p>
+                  </a:txBody>
+                  <a:tcPr/>
+                </a:tc>
+                <a:tc>
+                  <a:txBody>
+                    <a:bodyPr/>
+                    <a:lstStyle/>
+                    <a:p>
+                      <a:pPr marL="0" marR="0" lvl="0" indent="0" algn="l" defTabSz="914400" rtl="0" eaLnBrk="1" fontAlgn="auto" latinLnBrk="0" hangingPunct="1">
+                        <a:lnSpc>
+                          <a:spcPct val="100000"/>
+                        </a:lnSpc>
+                        <a:spcBef>
+                          <a:spcPts val="0"/>
+                        </a:spcBef>
+                        <a:spcAft>
+                          <a:spcPts val="0"/>
+                        </a:spcAft>
+                        <a:buClrTx/>
+                        <a:buSzTx/>
+                        <a:buFontTx/>
+                        <a:buNone/>
+                        <a:tabLst/>
+                        <a:defRPr/>
+                      </a:pPr>
+                      <a:r>
+                        <a:rPr lang="en-US" dirty="0"/>
+                        <a:t>Goal Loc 5</a:t>
+                      </a:r>
+                    </a:p>
+                  </a:txBody>
+                  <a:tcPr/>
+                </a:tc>
+                <a:extLst>
+                  <a:ext uri="{0D108BD9-81ED-4DB2-BD59-A6C34878D82A}">
+                    <a16:rowId xmlns:a16="http://schemas.microsoft.com/office/drawing/2014/main" val="2717540054"/>
+                  </a:ext>
+                </a:extLst>
+              </a:tr>
+              <a:tr h="370840">
+                <a:tc>
+                  <a:txBody>
+                    <a:bodyPr/>
+                    <a:lstStyle/>
+                    <a:p>
+                      <a:r>
+                        <a:rPr lang="en-US" dirty="0"/>
+                        <a:t>A*</a:t>
+                      </a:r>
+                    </a:p>
+                  </a:txBody>
+                  <a:tcPr/>
+                </a:tc>
+                <a:tc>
+                  <a:txBody>
+                    <a:bodyPr/>
+                    <a:lstStyle/>
+                    <a:p>
+                      <a:r>
+                        <a:rPr lang="en-US" dirty="0"/>
+                        <a:t>0%</a:t>
+                      </a:r>
+                    </a:p>
+                  </a:txBody>
+                  <a:tcPr/>
+                </a:tc>
+                <a:tc>
+                  <a:txBody>
+                    <a:bodyPr/>
+                    <a:lstStyle/>
+                    <a:p>
+                      <a:r>
+                        <a:rPr lang="en-US" dirty="0"/>
+                        <a:t>100%</a:t>
+                      </a:r>
+                    </a:p>
+                  </a:txBody>
+                  <a:tcPr/>
+                </a:tc>
+                <a:tc>
+                  <a:txBody>
+                    <a:bodyPr/>
+                    <a:lstStyle/>
+                    <a:p>
+                      <a:r>
+                        <a:rPr lang="en-US" dirty="0"/>
+                        <a:t>0%</a:t>
+                      </a:r>
+                    </a:p>
+                  </a:txBody>
+                  <a:tcPr/>
+                </a:tc>
+                <a:extLst>
+                  <a:ext uri="{0D108BD9-81ED-4DB2-BD59-A6C34878D82A}">
+                    <a16:rowId xmlns:a16="http://schemas.microsoft.com/office/drawing/2014/main" val="543739187"/>
+                  </a:ext>
+                </a:extLst>
+              </a:tr>
+              <a:tr h="370840">
+                <a:tc>
+                  <a:txBody>
+                    <a:bodyPr/>
+                    <a:lstStyle/>
+                    <a:p>
+                      <a:r>
+                        <a:rPr lang="en-US" dirty="0"/>
+                        <a:t>LQR</a:t>
+                      </a:r>
+                    </a:p>
+                  </a:txBody>
+                  <a:tcPr/>
+                </a:tc>
+                <a:tc>
+                  <a:txBody>
+                    <a:bodyPr/>
+                    <a:lstStyle/>
+                    <a:p>
+                      <a:r>
+                        <a:rPr lang="en-US" dirty="0"/>
+                        <a:t>100%</a:t>
+                      </a:r>
+                    </a:p>
+                  </a:txBody>
+                  <a:tcPr/>
+                </a:tc>
+                <a:tc>
+                  <a:txBody>
+                    <a:bodyPr/>
+                    <a:lstStyle/>
+                    <a:p>
+                      <a:r>
+                        <a:rPr lang="en-US" dirty="0"/>
+                        <a:t>0%</a:t>
+                      </a:r>
+                    </a:p>
+                  </a:txBody>
+                  <a:tcPr/>
+                </a:tc>
+                <a:tc>
+                  <a:txBody>
+                    <a:bodyPr/>
+                    <a:lstStyle/>
+                    <a:p>
+                      <a:r>
+                        <a:rPr lang="en-US" dirty="0"/>
+                        <a:t>100%</a:t>
+                      </a:r>
+                    </a:p>
+                  </a:txBody>
+                  <a:tcPr/>
+                </a:tc>
+                <a:extLst>
+                  <a:ext uri="{0D108BD9-81ED-4DB2-BD59-A6C34878D82A}">
+                    <a16:rowId xmlns:a16="http://schemas.microsoft.com/office/drawing/2014/main" val="2467483516"/>
+                  </a:ext>
+                </a:extLst>
+              </a:tr>
+            </a:tbl>
+          </a:graphicData>
+        </a:graphic>
+      </p:graphicFrame>
+    </p:spTree>
+    <p:extLst>
+      <p:ext uri="{BB962C8B-B14F-4D97-AF65-F5344CB8AC3E}">
+        <p14:creationId xmlns:p14="http://schemas.microsoft.com/office/powerpoint/2010/main" val="3425099900"/>
+      </p:ext>
+    </p:extLst>
+  </p:cSld>
+  <p:clrMapOvr>
+    <a:masterClrMapping/>
+  </p:clrMapOvr>
+  <p:timing>
+    <p:tnLst>
+      <p:par>
+        <p:cTn id="1" dur="indefinite" restart="never" nodeType="tmRoot">
+          <p:childTnLst>
+            <p:seq>
+              <p:cTn id="2" nodeType="mainSeq"/>
+              <p:prevCondLst>
+                <p:cond evt="onPrev" delay="0">
+                  <p:tgtEl>
+                    <p:sldTgt/>
+                  </p:tgtEl>
+                </p:cond>
+              </p:prevCondLst>
+              <p:nextCondLst>
+                <p:cond evt="onNext" delay="0">
+                  <p:tgtEl>
+                    <p:sldTgt/>
+                  </p:tgtEl>
+                </p:cond>
+              </p:nextCondLst>
+            </p:seq>
+          </p:childTnLst>
+        </p:cTn>
+      </p:par>
+    </p:tnLst>
+  </p:timing>
+</p:sld>
+</file>
+
 <file path=ppt/theme/theme1.xml><?xml version="1.0" encoding="utf-8"?>
 <a:theme xmlns:a="http://schemas.openxmlformats.org/drawingml/2006/main" name="Office Theme">
   <a:themeElements>

--- a/zs_sim_robot/meeting_0907/meeting_0907.pptx
+++ b/zs_sim_robot/meeting_0907/meeting_0907.pptx
@@ -5691,7 +5691,7 @@
             </a:r>
             <a:r>
               <a:rPr lang="en-US" sz="2800" dirty="0"/>
-              <a:t> LQR with Matrix Q=0 rather than Identity Matrix, since we want to follow the trajectory x* rather than the action u*.</a:t>
+              <a:t> LQR with Matrix R=0 rather than Identity Matrix, since we want to follow the trajectory x* rather than the action u*.</a:t>
             </a:r>
           </a:p>
           <a:p>
@@ -6480,7 +6480,7 @@
           <a:p>
             <a:r>
               <a:rPr lang="en-US" dirty="0"/>
-              <a:t>LQR (Q=0)</a:t>
+              <a:t>LQR (R=0)</a:t>
             </a:r>
           </a:p>
         </p:txBody>
@@ -6722,7 +6722,7 @@
           <a:p>
             <a:r>
               <a:rPr lang="en-US" dirty="0"/>
-              <a:t>LQR (Q=0)</a:t>
+              <a:t>LQR (R=0)</a:t>
             </a:r>
           </a:p>
         </p:txBody>
@@ -7000,7 +7000,7 @@
           <a:p>
             <a:r>
               <a:rPr lang="en-US" dirty="0"/>
-              <a:t>LQR (Q=0)</a:t>
+              <a:t>LQR (R=0)</a:t>
             </a:r>
           </a:p>
         </p:txBody>
@@ -7278,7 +7278,7 @@
           <a:p>
             <a:r>
               <a:rPr lang="en-US" dirty="0"/>
-              <a:t>LQR (Q=0)</a:t>
+              <a:t>LQR (R=0)</a:t>
             </a:r>
           </a:p>
         </p:txBody>
@@ -7556,7 +7556,7 @@
           <a:p>
             <a:r>
               <a:rPr lang="en-US" dirty="0"/>
-              <a:t>LQR (Q=0)</a:t>
+              <a:t>LQR (R=0)</a:t>
             </a:r>
           </a:p>
         </p:txBody>

--- a/zs_sim_robot/meeting_0907/meeting_0907.pptx
+++ b/zs_sim_robot/meeting_0907/meeting_0907.pptx
@@ -208,7 +208,7 @@
           <a:p>
             <a:fld id="{3CA5CF10-F56D-104B-8C7C-E6A4386A1B25}" type="datetimeFigureOut">
               <a:rPr lang="en-US" smtClean="0"/>
-              <a:t>8/29/20</a:t>
+              <a:t>9/2/20</a:t>
             </a:fld>
             <a:endParaRPr lang="en-US"/>
           </a:p>
@@ -3891,7 +3891,31 @@
                   <a:srgbClr val="FF0000"/>
                 </a:solidFill>
               </a:rPr>
-              <a:t>Make gazebo hand task more difficult?</a:t>
+              <a:t>Make gazebo hand task more difficult? (e.g. 1% number of </a:t>
+            </a:r>
+            <a:r>
+              <a:rPr lang="en-US" sz="2800" err="1">
+                <a:solidFill>
+                  <a:srgbClr val="FF0000"/>
+                </a:solidFill>
+              </a:rPr>
+              <a:t>trajectories</a:t>
+            </a:r>
+            <a:r>
+              <a:rPr lang="en-US" sz="2800">
+                <a:solidFill>
+                  <a:srgbClr val="FF0000"/>
+                </a:solidFill>
+              </a:rPr>
+              <a:t>, rather </a:t>
+            </a:r>
+            <a:r>
+              <a:rPr lang="en-US" sz="2800" dirty="0">
+                <a:solidFill>
+                  <a:srgbClr val="FF0000"/>
+                </a:solidFill>
+              </a:rPr>
+              <a:t>than data size)</a:t>
             </a:r>
           </a:p>
           <a:p>
@@ -3969,7 +3993,7 @@
                   <a:srgbClr val="FF0000"/>
                 </a:solidFill>
               </a:rPr>
-              <a:t>Derive new equations, objective function and optimization procedures for our AIP</a:t>
+              <a:t>Derive new equations, objective function and optimization theory for AIP</a:t>
             </a:r>
           </a:p>
           <a:p>

--- a/zs_sim_robot/meeting_0907/meeting_0907.pptx
+++ b/zs_sim_robot/meeting_0907/meeting_0907.pptx
@@ -208,7 +208,7 @@
           <a:p>
             <a:fld id="{3CA5CF10-F56D-104B-8C7C-E6A4386A1B25}" type="datetimeFigureOut">
               <a:rPr lang="en-US" smtClean="0"/>
-              <a:t>9/2/20</a:t>
+              <a:t>9/7/20</a:t>
             </a:fld>
             <a:endParaRPr lang="en-US"/>
           </a:p>
@@ -3891,31 +3891,7 @@
                   <a:srgbClr val="FF0000"/>
                 </a:solidFill>
               </a:rPr>
-              <a:t>Make gazebo hand task more difficult? (e.g. 1% number of </a:t>
-            </a:r>
-            <a:r>
-              <a:rPr lang="en-US" sz="2800" err="1">
-                <a:solidFill>
-                  <a:srgbClr val="FF0000"/>
-                </a:solidFill>
-              </a:rPr>
-              <a:t>trajectories</a:t>
-            </a:r>
-            <a:r>
-              <a:rPr lang="en-US" sz="2800">
-                <a:solidFill>
-                  <a:srgbClr val="FF0000"/>
-                </a:solidFill>
-              </a:rPr>
-              <a:t>, rather </a:t>
-            </a:r>
-            <a:r>
-              <a:rPr lang="en-US" sz="2800" dirty="0">
-                <a:solidFill>
-                  <a:srgbClr val="FF0000"/>
-                </a:solidFill>
-              </a:rPr>
-              <a:t>than data size)</a:t>
+              <a:t>Make gazebo hand task more difficult? (e.g. 1% number of trajectories, rather than data size)</a:t>
             </a:r>
           </a:p>
           <a:p>
@@ -6433,7 +6409,7 @@
           <a:p>
             <a:r>
               <a:rPr lang="en-US" dirty="0"/>
-              <a:t>LQR (Q=E)</a:t>
+              <a:t>LQR (R=E)</a:t>
             </a:r>
           </a:p>
         </p:txBody>
@@ -6711,7 +6687,7 @@
           <a:p>
             <a:r>
               <a:rPr lang="en-US" dirty="0"/>
-              <a:t>LQR (Q=E)</a:t>
+              <a:t>LQR (R=E)</a:t>
             </a:r>
           </a:p>
         </p:txBody>
@@ -6989,7 +6965,7 @@
           <a:p>
             <a:r>
               <a:rPr lang="en-US" dirty="0"/>
-              <a:t>LQR (Q=E)</a:t>
+              <a:t>LQR (R=E)</a:t>
             </a:r>
           </a:p>
         </p:txBody>
@@ -7267,7 +7243,7 @@
           <a:p>
             <a:r>
               <a:rPr lang="en-US" dirty="0"/>
-              <a:t>LQR (Q=E)</a:t>
+              <a:t>LQR (R=E)</a:t>
             </a:r>
           </a:p>
         </p:txBody>
@@ -7545,7 +7521,7 @@
           <a:p>
             <a:r>
               <a:rPr lang="en-US" dirty="0"/>
-              <a:t>LQR (Q=E)</a:t>
+              <a:t>LQR (R=E)</a:t>
             </a:r>
           </a:p>
         </p:txBody>
